--- a/인스타.pptx
+++ b/인스타.pptx
@@ -288,7 +288,7 @@
           <a:p>
             <a:fld id="{790BD917-7DC1-4CC4-9D4D-C650B87F5A43}" type="datetimeFigureOut">
               <a:rPr lang="ko-KR" altLang="en-US" smtClean="0"/>
-              <a:t>2016-10-25</a:t>
+              <a:t>2016-10-26</a:t>
             </a:fld>
             <a:endParaRPr lang="ko-KR" altLang="en-US"/>
           </a:p>
@@ -458,7 +458,7 @@
           <a:p>
             <a:fld id="{790BD917-7DC1-4CC4-9D4D-C650B87F5A43}" type="datetimeFigureOut">
               <a:rPr lang="ko-KR" altLang="en-US" smtClean="0"/>
-              <a:t>2016-10-25</a:t>
+              <a:t>2016-10-26</a:t>
             </a:fld>
             <a:endParaRPr lang="ko-KR" altLang="en-US"/>
           </a:p>
@@ -638,7 +638,7 @@
           <a:p>
             <a:fld id="{790BD917-7DC1-4CC4-9D4D-C650B87F5A43}" type="datetimeFigureOut">
               <a:rPr lang="ko-KR" altLang="en-US" smtClean="0"/>
-              <a:t>2016-10-25</a:t>
+              <a:t>2016-10-26</a:t>
             </a:fld>
             <a:endParaRPr lang="ko-KR" altLang="en-US"/>
           </a:p>
@@ -808,7 +808,7 @@
           <a:p>
             <a:fld id="{790BD917-7DC1-4CC4-9D4D-C650B87F5A43}" type="datetimeFigureOut">
               <a:rPr lang="ko-KR" altLang="en-US" smtClean="0"/>
-              <a:t>2016-10-25</a:t>
+              <a:t>2016-10-26</a:t>
             </a:fld>
             <a:endParaRPr lang="ko-KR" altLang="en-US"/>
           </a:p>
@@ -1054,7 +1054,7 @@
           <a:p>
             <a:fld id="{790BD917-7DC1-4CC4-9D4D-C650B87F5A43}" type="datetimeFigureOut">
               <a:rPr lang="ko-KR" altLang="en-US" smtClean="0"/>
-              <a:t>2016-10-25</a:t>
+              <a:t>2016-10-26</a:t>
             </a:fld>
             <a:endParaRPr lang="ko-KR" altLang="en-US"/>
           </a:p>
@@ -1342,7 +1342,7 @@
           <a:p>
             <a:fld id="{790BD917-7DC1-4CC4-9D4D-C650B87F5A43}" type="datetimeFigureOut">
               <a:rPr lang="ko-KR" altLang="en-US" smtClean="0"/>
-              <a:t>2016-10-25</a:t>
+              <a:t>2016-10-26</a:t>
             </a:fld>
             <a:endParaRPr lang="ko-KR" altLang="en-US"/>
           </a:p>
@@ -1764,7 +1764,7 @@
           <a:p>
             <a:fld id="{790BD917-7DC1-4CC4-9D4D-C650B87F5A43}" type="datetimeFigureOut">
               <a:rPr lang="ko-KR" altLang="en-US" smtClean="0"/>
-              <a:t>2016-10-25</a:t>
+              <a:t>2016-10-26</a:t>
             </a:fld>
             <a:endParaRPr lang="ko-KR" altLang="en-US"/>
           </a:p>
@@ -1882,7 +1882,7 @@
           <a:p>
             <a:fld id="{790BD917-7DC1-4CC4-9D4D-C650B87F5A43}" type="datetimeFigureOut">
               <a:rPr lang="ko-KR" altLang="en-US" smtClean="0"/>
-              <a:t>2016-10-25</a:t>
+              <a:t>2016-10-26</a:t>
             </a:fld>
             <a:endParaRPr lang="ko-KR" altLang="en-US"/>
           </a:p>
@@ -1977,7 +1977,7 @@
           <a:p>
             <a:fld id="{790BD917-7DC1-4CC4-9D4D-C650B87F5A43}" type="datetimeFigureOut">
               <a:rPr lang="ko-KR" altLang="en-US" smtClean="0"/>
-              <a:t>2016-10-25</a:t>
+              <a:t>2016-10-26</a:t>
             </a:fld>
             <a:endParaRPr lang="ko-KR" altLang="en-US"/>
           </a:p>
@@ -2254,7 +2254,7 @@
           <a:p>
             <a:fld id="{790BD917-7DC1-4CC4-9D4D-C650B87F5A43}" type="datetimeFigureOut">
               <a:rPr lang="ko-KR" altLang="en-US" smtClean="0"/>
-              <a:t>2016-10-25</a:t>
+              <a:t>2016-10-26</a:t>
             </a:fld>
             <a:endParaRPr lang="ko-KR" altLang="en-US"/>
           </a:p>
@@ -2507,7 +2507,7 @@
           <a:p>
             <a:fld id="{790BD917-7DC1-4CC4-9D4D-C650B87F5A43}" type="datetimeFigureOut">
               <a:rPr lang="ko-KR" altLang="en-US" smtClean="0"/>
-              <a:t>2016-10-25</a:t>
+              <a:t>2016-10-26</a:t>
             </a:fld>
             <a:endParaRPr lang="ko-KR" altLang="en-US"/>
           </a:p>
@@ -2720,7 +2720,7 @@
           <a:p>
             <a:fld id="{790BD917-7DC1-4CC4-9D4D-C650B87F5A43}" type="datetimeFigureOut">
               <a:rPr lang="ko-KR" altLang="en-US" smtClean="0"/>
-              <a:t>2016-10-25</a:t>
+              <a:t>2016-10-26</a:t>
             </a:fld>
             <a:endParaRPr lang="ko-KR" altLang="en-US"/>
           </a:p>
@@ -3144,7 +3144,7 @@
         </p:nvSpPr>
         <p:spPr>
           <a:xfrm>
-            <a:off x="3473069" y="137900"/>
+            <a:off x="3494538" y="137900"/>
             <a:ext cx="1058303" cy="369332"/>
           </a:xfrm>
           <a:prstGeom prst="rect">
@@ -3199,14 +3199,12 @@
               <a:rPr lang="en-US" altLang="ko-KR" dirty="0" smtClean="0"/>
               <a:t>email</a:t>
             </a:r>
-            <a:endParaRPr lang="en-US" altLang="ko-KR" dirty="0" smtClean="0"/>
           </a:p>
           <a:p>
             <a:r>
               <a:rPr lang="en-US" altLang="ko-KR" dirty="0" smtClean="0"/>
               <a:t>name</a:t>
             </a:r>
-            <a:endParaRPr lang="en-US" altLang="ko-KR" dirty="0" smtClean="0"/>
           </a:p>
           <a:p>
             <a:r>
@@ -3240,7 +3238,6 @@
               <a:rPr lang="en-US" altLang="ko-KR" dirty="0" smtClean="0"/>
               <a:t>gender</a:t>
             </a:r>
-            <a:endParaRPr lang="en-US" altLang="ko-KR" dirty="0" smtClean="0"/>
           </a:p>
           <a:p>
             <a:r>
@@ -3307,7 +3304,7 @@
         <p:spPr>
           <a:xfrm>
             <a:off x="6564578" y="732931"/>
-            <a:ext cx="1175322" cy="369332"/>
+            <a:ext cx="1274708" cy="369332"/>
           </a:xfrm>
           <a:prstGeom prst="rect">
             <a:avLst/>
@@ -3322,7 +3319,7 @@
           <a:p>
             <a:r>
               <a:rPr lang="en-US" altLang="ko-KR" dirty="0" smtClean="0"/>
-              <a:t>comment</a:t>
+              <a:t>comments</a:t>
             </a:r>
             <a:endParaRPr lang="ko-KR" altLang="en-US" dirty="0"/>
           </a:p>
@@ -3359,11 +3356,7 @@
           <a:p>
             <a:r>
               <a:rPr lang="en-US" altLang="ko-KR" dirty="0" err="1" smtClean="0"/>
-              <a:t>Member_</a:t>
-            </a:r>
-            <a:r>
-              <a:rPr lang="en-US" altLang="ko-KR" dirty="0" err="1" smtClean="0"/>
-              <a:t>id</a:t>
+              <a:t>Member_id</a:t>
             </a:r>
             <a:endParaRPr lang="en-US" altLang="ko-KR" dirty="0" smtClean="0"/>
           </a:p>
@@ -3502,7 +3495,6 @@
               <a:rPr lang="en-US" altLang="ko-KR" dirty="0" smtClean="0"/>
               <a:t>comment</a:t>
             </a:r>
-            <a:endParaRPr lang="en-US" altLang="ko-KR" dirty="0" smtClean="0"/>
           </a:p>
           <a:p>
             <a:r>
@@ -3581,7 +3573,11 @@
           <a:p>
             <a:r>
               <a:rPr lang="en-US" altLang="ko-KR" dirty="0" err="1" smtClean="0"/>
-              <a:t>Like_Id</a:t>
+              <a:t>love</a:t>
+            </a:r>
+            <a:r>
+              <a:rPr lang="en-US" altLang="ko-KR" dirty="0" err="1" smtClean="0"/>
+              <a:t>_Id</a:t>
             </a:r>
             <a:endParaRPr lang="en-US" altLang="ko-KR" dirty="0" smtClean="0"/>
           </a:p>
@@ -3613,7 +3609,7 @@
         <p:spPr>
           <a:xfrm>
             <a:off x="3945765" y="4500957"/>
-            <a:ext cx="532390" cy="369332"/>
+            <a:ext cx="612796" cy="369332"/>
           </a:xfrm>
           <a:prstGeom prst="rect">
             <a:avLst/>
@@ -3628,7 +3624,7 @@
           <a:p>
             <a:r>
               <a:rPr lang="en-US" altLang="ko-KR" dirty="0" smtClean="0"/>
-              <a:t>like</a:t>
+              <a:t>love</a:t>
             </a:r>
             <a:endParaRPr lang="ko-KR" altLang="en-US" dirty="0"/>
           </a:p>
@@ -3848,7 +3844,7 @@
         <p:spPr>
           <a:xfrm>
             <a:off x="4067944" y="3819600"/>
-            <a:ext cx="144016" cy="681357"/>
+            <a:ext cx="184219" cy="681357"/>
           </a:xfrm>
           <a:prstGeom prst="straightConnector1">
             <a:avLst/>

--- a/인스타.pptx
+++ b/인스타.pptx
@@ -288,7 +288,7 @@
           <a:p>
             <a:fld id="{790BD917-7DC1-4CC4-9D4D-C650B87F5A43}" type="datetimeFigureOut">
               <a:rPr lang="ko-KR" altLang="en-US" smtClean="0"/>
-              <a:t>2016-10-26</a:t>
+              <a:t>2016-10-28</a:t>
             </a:fld>
             <a:endParaRPr lang="ko-KR" altLang="en-US"/>
           </a:p>
@@ -458,7 +458,7 @@
           <a:p>
             <a:fld id="{790BD917-7DC1-4CC4-9D4D-C650B87F5A43}" type="datetimeFigureOut">
               <a:rPr lang="ko-KR" altLang="en-US" smtClean="0"/>
-              <a:t>2016-10-26</a:t>
+              <a:t>2016-10-28</a:t>
             </a:fld>
             <a:endParaRPr lang="ko-KR" altLang="en-US"/>
           </a:p>
@@ -638,7 +638,7 @@
           <a:p>
             <a:fld id="{790BD917-7DC1-4CC4-9D4D-C650B87F5A43}" type="datetimeFigureOut">
               <a:rPr lang="ko-KR" altLang="en-US" smtClean="0"/>
-              <a:t>2016-10-26</a:t>
+              <a:t>2016-10-28</a:t>
             </a:fld>
             <a:endParaRPr lang="ko-KR" altLang="en-US"/>
           </a:p>
@@ -808,7 +808,7 @@
           <a:p>
             <a:fld id="{790BD917-7DC1-4CC4-9D4D-C650B87F5A43}" type="datetimeFigureOut">
               <a:rPr lang="ko-KR" altLang="en-US" smtClean="0"/>
-              <a:t>2016-10-26</a:t>
+              <a:t>2016-10-28</a:t>
             </a:fld>
             <a:endParaRPr lang="ko-KR" altLang="en-US"/>
           </a:p>
@@ -1054,7 +1054,7 @@
           <a:p>
             <a:fld id="{790BD917-7DC1-4CC4-9D4D-C650B87F5A43}" type="datetimeFigureOut">
               <a:rPr lang="ko-KR" altLang="en-US" smtClean="0"/>
-              <a:t>2016-10-26</a:t>
+              <a:t>2016-10-28</a:t>
             </a:fld>
             <a:endParaRPr lang="ko-KR" altLang="en-US"/>
           </a:p>
@@ -1342,7 +1342,7 @@
           <a:p>
             <a:fld id="{790BD917-7DC1-4CC4-9D4D-C650B87F5A43}" type="datetimeFigureOut">
               <a:rPr lang="ko-KR" altLang="en-US" smtClean="0"/>
-              <a:t>2016-10-26</a:t>
+              <a:t>2016-10-28</a:t>
             </a:fld>
             <a:endParaRPr lang="ko-KR" altLang="en-US"/>
           </a:p>
@@ -1764,7 +1764,7 @@
           <a:p>
             <a:fld id="{790BD917-7DC1-4CC4-9D4D-C650B87F5A43}" type="datetimeFigureOut">
               <a:rPr lang="ko-KR" altLang="en-US" smtClean="0"/>
-              <a:t>2016-10-26</a:t>
+              <a:t>2016-10-28</a:t>
             </a:fld>
             <a:endParaRPr lang="ko-KR" altLang="en-US"/>
           </a:p>
@@ -1882,7 +1882,7 @@
           <a:p>
             <a:fld id="{790BD917-7DC1-4CC4-9D4D-C650B87F5A43}" type="datetimeFigureOut">
               <a:rPr lang="ko-KR" altLang="en-US" smtClean="0"/>
-              <a:t>2016-10-26</a:t>
+              <a:t>2016-10-28</a:t>
             </a:fld>
             <a:endParaRPr lang="ko-KR" altLang="en-US"/>
           </a:p>
@@ -1977,7 +1977,7 @@
           <a:p>
             <a:fld id="{790BD917-7DC1-4CC4-9D4D-C650B87F5A43}" type="datetimeFigureOut">
               <a:rPr lang="ko-KR" altLang="en-US" smtClean="0"/>
-              <a:t>2016-10-26</a:t>
+              <a:t>2016-10-28</a:t>
             </a:fld>
             <a:endParaRPr lang="ko-KR" altLang="en-US"/>
           </a:p>
@@ -2254,7 +2254,7 @@
           <a:p>
             <a:fld id="{790BD917-7DC1-4CC4-9D4D-C650B87F5A43}" type="datetimeFigureOut">
               <a:rPr lang="ko-KR" altLang="en-US" smtClean="0"/>
-              <a:t>2016-10-26</a:t>
+              <a:t>2016-10-28</a:t>
             </a:fld>
             <a:endParaRPr lang="ko-KR" altLang="en-US"/>
           </a:p>
@@ -2507,7 +2507,7 @@
           <a:p>
             <a:fld id="{790BD917-7DC1-4CC4-9D4D-C650B87F5A43}" type="datetimeFigureOut">
               <a:rPr lang="ko-KR" altLang="en-US" smtClean="0"/>
-              <a:t>2016-10-26</a:t>
+              <a:t>2016-10-28</a:t>
             </a:fld>
             <a:endParaRPr lang="ko-KR" altLang="en-US"/>
           </a:p>
@@ -2720,7 +2720,7 @@
           <a:p>
             <a:fld id="{790BD917-7DC1-4CC4-9D4D-C650B87F5A43}" type="datetimeFigureOut">
               <a:rPr lang="ko-KR" altLang="en-US" smtClean="0"/>
-              <a:t>2016-10-26</a:t>
+              <a:t>2016-10-28</a:t>
             </a:fld>
             <a:endParaRPr lang="ko-KR" altLang="en-US"/>
           </a:p>
@@ -3303,7 +3303,7 @@
         </p:nvSpPr>
         <p:spPr>
           <a:xfrm>
-            <a:off x="6564578" y="732931"/>
+            <a:off x="6490142" y="710046"/>
             <a:ext cx="1274708" cy="369332"/>
           </a:xfrm>
           <a:prstGeom prst="rect">
@@ -3333,7 +3333,7 @@
         </p:nvSpPr>
         <p:spPr>
           <a:xfrm>
-            <a:off x="6144218" y="3962087"/>
+            <a:off x="6242351" y="3962087"/>
             <a:ext cx="1754894" cy="3139321"/>
           </a:xfrm>
           <a:prstGeom prst="rect">
@@ -3356,7 +3356,11 @@
           <a:p>
             <a:r>
               <a:rPr lang="en-US" altLang="ko-KR" dirty="0" err="1" smtClean="0"/>
-              <a:t>Member_id</a:t>
+              <a:t>Pomem</a:t>
+            </a:r>
+            <a:r>
+              <a:rPr lang="en-US" altLang="ko-KR" dirty="0" err="1" smtClean="0"/>
+              <a:t>_id</a:t>
             </a:r>
             <a:endParaRPr lang="en-US" altLang="ko-KR" dirty="0" smtClean="0"/>
           </a:p>
@@ -3486,7 +3490,7 @@
           <a:p>
             <a:r>
               <a:rPr lang="en-US" altLang="ko-KR" dirty="0" err="1" smtClean="0"/>
-              <a:t>Member_id</a:t>
+              <a:t>Comem_id</a:t>
             </a:r>
             <a:endParaRPr lang="en-US" altLang="ko-KR" dirty="0" smtClean="0"/>
           </a:p>
@@ -3495,6 +3499,7 @@
               <a:rPr lang="en-US" altLang="ko-KR" dirty="0" smtClean="0"/>
               <a:t>comment</a:t>
             </a:r>
+            <a:endParaRPr lang="en-US" altLang="ko-KR" dirty="0" smtClean="0"/>
           </a:p>
           <a:p>
             <a:r>
@@ -3573,11 +3578,7 @@
           <a:p>
             <a:r>
               <a:rPr lang="en-US" altLang="ko-KR" dirty="0" err="1" smtClean="0"/>
-              <a:t>love</a:t>
-            </a:r>
-            <a:r>
-              <a:rPr lang="en-US" altLang="ko-KR" dirty="0" err="1" smtClean="0"/>
-              <a:t>_Id</a:t>
+              <a:t>love_Id</a:t>
             </a:r>
             <a:endParaRPr lang="en-US" altLang="ko-KR" dirty="0" smtClean="0"/>
           </a:p>
@@ -3591,7 +3592,7 @@
           <a:p>
             <a:r>
               <a:rPr lang="en-US" altLang="ko-KR" dirty="0" err="1" smtClean="0"/>
-              <a:t>Member_id</a:t>
+              <a:t>Lomem_id</a:t>
             </a:r>
             <a:endParaRPr lang="en-US" altLang="ko-KR" dirty="0"/>
           </a:p>

--- a/인스타.pptx
+++ b/인스타.pptx
@@ -288,7 +288,7 @@
           <a:p>
             <a:fld id="{790BD917-7DC1-4CC4-9D4D-C650B87F5A43}" type="datetimeFigureOut">
               <a:rPr lang="ko-KR" altLang="en-US" smtClean="0"/>
-              <a:t>2016-10-26</a:t>
+              <a:t>2016-10-28</a:t>
             </a:fld>
             <a:endParaRPr lang="ko-KR" altLang="en-US"/>
           </a:p>
@@ -458,7 +458,7 @@
           <a:p>
             <a:fld id="{790BD917-7DC1-4CC4-9D4D-C650B87F5A43}" type="datetimeFigureOut">
               <a:rPr lang="ko-KR" altLang="en-US" smtClean="0"/>
-              <a:t>2016-10-26</a:t>
+              <a:t>2016-10-28</a:t>
             </a:fld>
             <a:endParaRPr lang="ko-KR" altLang="en-US"/>
           </a:p>
@@ -638,7 +638,7 @@
           <a:p>
             <a:fld id="{790BD917-7DC1-4CC4-9D4D-C650B87F5A43}" type="datetimeFigureOut">
               <a:rPr lang="ko-KR" altLang="en-US" smtClean="0"/>
-              <a:t>2016-10-26</a:t>
+              <a:t>2016-10-28</a:t>
             </a:fld>
             <a:endParaRPr lang="ko-KR" altLang="en-US"/>
           </a:p>
@@ -808,7 +808,7 @@
           <a:p>
             <a:fld id="{790BD917-7DC1-4CC4-9D4D-C650B87F5A43}" type="datetimeFigureOut">
               <a:rPr lang="ko-KR" altLang="en-US" smtClean="0"/>
-              <a:t>2016-10-26</a:t>
+              <a:t>2016-10-28</a:t>
             </a:fld>
             <a:endParaRPr lang="ko-KR" altLang="en-US"/>
           </a:p>
@@ -1054,7 +1054,7 @@
           <a:p>
             <a:fld id="{790BD917-7DC1-4CC4-9D4D-C650B87F5A43}" type="datetimeFigureOut">
               <a:rPr lang="ko-KR" altLang="en-US" smtClean="0"/>
-              <a:t>2016-10-26</a:t>
+              <a:t>2016-10-28</a:t>
             </a:fld>
             <a:endParaRPr lang="ko-KR" altLang="en-US"/>
           </a:p>
@@ -1342,7 +1342,7 @@
           <a:p>
             <a:fld id="{790BD917-7DC1-4CC4-9D4D-C650B87F5A43}" type="datetimeFigureOut">
               <a:rPr lang="ko-KR" altLang="en-US" smtClean="0"/>
-              <a:t>2016-10-26</a:t>
+              <a:t>2016-10-28</a:t>
             </a:fld>
             <a:endParaRPr lang="ko-KR" altLang="en-US"/>
           </a:p>
@@ -1764,7 +1764,7 @@
           <a:p>
             <a:fld id="{790BD917-7DC1-4CC4-9D4D-C650B87F5A43}" type="datetimeFigureOut">
               <a:rPr lang="ko-KR" altLang="en-US" smtClean="0"/>
-              <a:t>2016-10-26</a:t>
+              <a:t>2016-10-28</a:t>
             </a:fld>
             <a:endParaRPr lang="ko-KR" altLang="en-US"/>
           </a:p>
@@ -1882,7 +1882,7 @@
           <a:p>
             <a:fld id="{790BD917-7DC1-4CC4-9D4D-C650B87F5A43}" type="datetimeFigureOut">
               <a:rPr lang="ko-KR" altLang="en-US" smtClean="0"/>
-              <a:t>2016-10-26</a:t>
+              <a:t>2016-10-28</a:t>
             </a:fld>
             <a:endParaRPr lang="ko-KR" altLang="en-US"/>
           </a:p>
@@ -1977,7 +1977,7 @@
           <a:p>
             <a:fld id="{790BD917-7DC1-4CC4-9D4D-C650B87F5A43}" type="datetimeFigureOut">
               <a:rPr lang="ko-KR" altLang="en-US" smtClean="0"/>
-              <a:t>2016-10-26</a:t>
+              <a:t>2016-10-28</a:t>
             </a:fld>
             <a:endParaRPr lang="ko-KR" altLang="en-US"/>
           </a:p>
@@ -2254,7 +2254,7 @@
           <a:p>
             <a:fld id="{790BD917-7DC1-4CC4-9D4D-C650B87F5A43}" type="datetimeFigureOut">
               <a:rPr lang="ko-KR" altLang="en-US" smtClean="0"/>
-              <a:t>2016-10-26</a:t>
+              <a:t>2016-10-28</a:t>
             </a:fld>
             <a:endParaRPr lang="ko-KR" altLang="en-US"/>
           </a:p>
@@ -2507,7 +2507,7 @@
           <a:p>
             <a:fld id="{790BD917-7DC1-4CC4-9D4D-C650B87F5A43}" type="datetimeFigureOut">
               <a:rPr lang="ko-KR" altLang="en-US" smtClean="0"/>
-              <a:t>2016-10-26</a:t>
+              <a:t>2016-10-28</a:t>
             </a:fld>
             <a:endParaRPr lang="ko-KR" altLang="en-US"/>
           </a:p>
@@ -2720,7 +2720,7 @@
           <a:p>
             <a:fld id="{790BD917-7DC1-4CC4-9D4D-C650B87F5A43}" type="datetimeFigureOut">
               <a:rPr lang="ko-KR" altLang="en-US" smtClean="0"/>
-              <a:t>2016-10-26</a:t>
+              <a:t>2016-10-28</a:t>
             </a:fld>
             <a:endParaRPr lang="ko-KR" altLang="en-US"/>
           </a:p>
@@ -3456,8 +3456,8 @@
         </p:nvSpPr>
         <p:spPr>
           <a:xfrm>
-            <a:off x="6374665" y="1197395"/>
-            <a:ext cx="1555148" cy="1754326"/>
+            <a:off x="6374664" y="1197395"/>
+            <a:ext cx="1797735" cy="1754326"/>
           </a:xfrm>
           <a:prstGeom prst="rect">
             <a:avLst/>
@@ -3472,7 +3472,7 @@
           <a:p>
             <a:r>
               <a:rPr lang="en-US" altLang="ko-KR" dirty="0" err="1" smtClean="0"/>
-              <a:t>Comment_id</a:t>
+              <a:t>Comments_id</a:t>
             </a:r>
             <a:endParaRPr lang="en-US" altLang="ko-KR" dirty="0" smtClean="0"/>
           </a:p>
@@ -3492,9 +3492,10 @@
           </a:p>
           <a:p>
             <a:r>
-              <a:rPr lang="en-US" altLang="ko-KR" dirty="0" smtClean="0"/>
-              <a:t>comment</a:t>
-            </a:r>
+              <a:rPr lang="en-US" altLang="ko-KR" smtClean="0"/>
+              <a:t>comments</a:t>
+            </a:r>
+            <a:endParaRPr lang="en-US" altLang="ko-KR" dirty="0" smtClean="0"/>
           </a:p>
           <a:p>
             <a:r>
@@ -3573,11 +3574,7 @@
           <a:p>
             <a:r>
               <a:rPr lang="en-US" altLang="ko-KR" dirty="0" err="1" smtClean="0"/>
-              <a:t>love</a:t>
-            </a:r>
-            <a:r>
-              <a:rPr lang="en-US" altLang="ko-KR" dirty="0" err="1" smtClean="0"/>
-              <a:t>_Id</a:t>
+              <a:t>love_Id</a:t>
             </a:r>
             <a:endParaRPr lang="en-US" altLang="ko-KR" dirty="0" smtClean="0"/>
           </a:p>
@@ -3808,7 +3805,7 @@
         <p:spPr>
           <a:xfrm>
             <a:off x="4944402" y="1700238"/>
-            <a:ext cx="1430263" cy="374320"/>
+            <a:ext cx="1430262" cy="374320"/>
           </a:xfrm>
           <a:prstGeom prst="straightConnector1">
             <a:avLst/>

--- a/인스타.pptx
+++ b/인스타.pptx
@@ -288,7 +288,7 @@
           <a:p>
             <a:fld id="{790BD917-7DC1-4CC4-9D4D-C650B87F5A43}" type="datetimeFigureOut">
               <a:rPr lang="ko-KR" altLang="en-US" smtClean="0"/>
-              <a:t>2016-10-28</a:t>
+              <a:t>2016-11-04</a:t>
             </a:fld>
             <a:endParaRPr lang="ko-KR" altLang="en-US"/>
           </a:p>
@@ -458,7 +458,7 @@
           <a:p>
             <a:fld id="{790BD917-7DC1-4CC4-9D4D-C650B87F5A43}" type="datetimeFigureOut">
               <a:rPr lang="ko-KR" altLang="en-US" smtClean="0"/>
-              <a:t>2016-10-28</a:t>
+              <a:t>2016-11-04</a:t>
             </a:fld>
             <a:endParaRPr lang="ko-KR" altLang="en-US"/>
           </a:p>
@@ -638,7 +638,7 @@
           <a:p>
             <a:fld id="{790BD917-7DC1-4CC4-9D4D-C650B87F5A43}" type="datetimeFigureOut">
               <a:rPr lang="ko-KR" altLang="en-US" smtClean="0"/>
-              <a:t>2016-10-28</a:t>
+              <a:t>2016-11-04</a:t>
             </a:fld>
             <a:endParaRPr lang="ko-KR" altLang="en-US"/>
           </a:p>
@@ -808,7 +808,7 @@
           <a:p>
             <a:fld id="{790BD917-7DC1-4CC4-9D4D-C650B87F5A43}" type="datetimeFigureOut">
               <a:rPr lang="ko-KR" altLang="en-US" smtClean="0"/>
-              <a:t>2016-10-28</a:t>
+              <a:t>2016-11-04</a:t>
             </a:fld>
             <a:endParaRPr lang="ko-KR" altLang="en-US"/>
           </a:p>
@@ -1054,7 +1054,7 @@
           <a:p>
             <a:fld id="{790BD917-7DC1-4CC4-9D4D-C650B87F5A43}" type="datetimeFigureOut">
               <a:rPr lang="ko-KR" altLang="en-US" smtClean="0"/>
-              <a:t>2016-10-28</a:t>
+              <a:t>2016-11-04</a:t>
             </a:fld>
             <a:endParaRPr lang="ko-KR" altLang="en-US"/>
           </a:p>
@@ -1342,7 +1342,7 @@
           <a:p>
             <a:fld id="{790BD917-7DC1-4CC4-9D4D-C650B87F5A43}" type="datetimeFigureOut">
               <a:rPr lang="ko-KR" altLang="en-US" smtClean="0"/>
-              <a:t>2016-10-28</a:t>
+              <a:t>2016-11-04</a:t>
             </a:fld>
             <a:endParaRPr lang="ko-KR" altLang="en-US"/>
           </a:p>
@@ -1764,7 +1764,7 @@
           <a:p>
             <a:fld id="{790BD917-7DC1-4CC4-9D4D-C650B87F5A43}" type="datetimeFigureOut">
               <a:rPr lang="ko-KR" altLang="en-US" smtClean="0"/>
-              <a:t>2016-10-28</a:t>
+              <a:t>2016-11-04</a:t>
             </a:fld>
             <a:endParaRPr lang="ko-KR" altLang="en-US"/>
           </a:p>
@@ -1882,7 +1882,7 @@
           <a:p>
             <a:fld id="{790BD917-7DC1-4CC4-9D4D-C650B87F5A43}" type="datetimeFigureOut">
               <a:rPr lang="ko-KR" altLang="en-US" smtClean="0"/>
-              <a:t>2016-10-28</a:t>
+              <a:t>2016-11-04</a:t>
             </a:fld>
             <a:endParaRPr lang="ko-KR" altLang="en-US"/>
           </a:p>
@@ -1977,7 +1977,7 @@
           <a:p>
             <a:fld id="{790BD917-7DC1-4CC4-9D4D-C650B87F5A43}" type="datetimeFigureOut">
               <a:rPr lang="ko-KR" altLang="en-US" smtClean="0"/>
-              <a:t>2016-10-28</a:t>
+              <a:t>2016-11-04</a:t>
             </a:fld>
             <a:endParaRPr lang="ko-KR" altLang="en-US"/>
           </a:p>
@@ -2254,7 +2254,7 @@
           <a:p>
             <a:fld id="{790BD917-7DC1-4CC4-9D4D-C650B87F5A43}" type="datetimeFigureOut">
               <a:rPr lang="ko-KR" altLang="en-US" smtClean="0"/>
-              <a:t>2016-10-28</a:t>
+              <a:t>2016-11-04</a:t>
             </a:fld>
             <a:endParaRPr lang="ko-KR" altLang="en-US"/>
           </a:p>
@@ -2507,7 +2507,7 @@
           <a:p>
             <a:fld id="{790BD917-7DC1-4CC4-9D4D-C650B87F5A43}" type="datetimeFigureOut">
               <a:rPr lang="ko-KR" altLang="en-US" smtClean="0"/>
-              <a:t>2016-10-28</a:t>
+              <a:t>2016-11-04</a:t>
             </a:fld>
             <a:endParaRPr lang="ko-KR" altLang="en-US"/>
           </a:p>
@@ -2720,7 +2720,7 @@
           <a:p>
             <a:fld id="{790BD917-7DC1-4CC4-9D4D-C650B87F5A43}" type="datetimeFigureOut">
               <a:rPr lang="ko-KR" altLang="en-US" smtClean="0"/>
-              <a:t>2016-10-28</a:t>
+              <a:t>2016-11-04</a:t>
             </a:fld>
             <a:endParaRPr lang="ko-KR" altLang="en-US"/>
           </a:p>
@@ -3174,8 +3174,8 @@
         </p:nvSpPr>
         <p:spPr>
           <a:xfrm>
-            <a:off x="3347864" y="637799"/>
-            <a:ext cx="1351652" cy="2862322"/>
+            <a:off x="3347864" y="577711"/>
+            <a:ext cx="1351652" cy="3139321"/>
           </a:xfrm>
           <a:prstGeom prst="rect">
             <a:avLst/>
@@ -3195,6 +3195,9 @@
             <a:endParaRPr lang="en-US" altLang="ko-KR" dirty="0" smtClean="0"/>
           </a:p>
           <a:p>
+            <a:endParaRPr lang="en-US" altLang="ko-KR" dirty="0" smtClean="0"/>
+          </a:p>
+          <a:p>
             <a:r>
               <a:rPr lang="en-US" altLang="ko-KR" dirty="0" smtClean="0"/>
               <a:t>email</a:t>
@@ -3262,8 +3265,8 @@
         </p:nvSpPr>
         <p:spPr>
           <a:xfrm>
-            <a:off x="6144218" y="3938107"/>
-            <a:ext cx="1682856" cy="2389916"/>
+            <a:off x="6046004" y="3938107"/>
+            <a:ext cx="1707050" cy="2389916"/>
           </a:xfrm>
           <a:prstGeom prst="rect">
             <a:avLst/>
@@ -3297,14 +3300,14 @@
       </p:sp>
       <p:sp>
         <p:nvSpPr>
-          <p:cNvPr id="8" name="TextBox 7"/>
+          <p:cNvPr id="9" name="TextBox 8"/>
           <p:cNvSpPr txBox="1"/>
           <p:nvPr/>
         </p:nvSpPr>
         <p:spPr>
           <a:xfrm>
-            <a:off x="6490142" y="710046"/>
-            <a:ext cx="1274708" cy="369332"/>
+            <a:off x="6165767" y="3973120"/>
+            <a:ext cx="1358561" cy="2308324"/>
           </a:xfrm>
           <a:prstGeom prst="rect">
             <a:avLst/>
@@ -3312,36 +3315,6 @@
           <a:noFill/>
         </p:spPr>
         <p:txBody>
-          <a:bodyPr wrap="none" rtlCol="0">
-            <a:spAutoFit/>
-          </a:bodyPr>
-          <a:lstStyle/>
-          <a:p>
-            <a:r>
-              <a:rPr lang="en-US" altLang="ko-KR" dirty="0" smtClean="0"/>
-              <a:t>comments</a:t>
-            </a:r>
-            <a:endParaRPr lang="ko-KR" altLang="en-US" dirty="0"/>
-          </a:p>
-        </p:txBody>
-      </p:sp>
-      <p:sp>
-        <p:nvSpPr>
-          <p:cNvPr id="9" name="TextBox 8"/>
-          <p:cNvSpPr txBox="1"/>
-          <p:nvPr/>
-        </p:nvSpPr>
-        <p:spPr>
-          <a:xfrm>
-            <a:off x="6242351" y="3962087"/>
-            <a:ext cx="1754894" cy="3139321"/>
-          </a:xfrm>
-          <a:prstGeom prst="rect">
-            <a:avLst/>
-          </a:prstGeom>
-          <a:noFill/>
-        </p:spPr>
-        <p:txBody>
           <a:bodyPr wrap="square" rtlCol="0">
             <a:spAutoFit/>
           </a:bodyPr>
@@ -3354,13 +3327,12 @@
             <a:endParaRPr lang="en-US" altLang="ko-KR" dirty="0" smtClean="0"/>
           </a:p>
           <a:p>
+            <a:endParaRPr lang="en-US" altLang="ko-KR" dirty="0" smtClean="0"/>
+          </a:p>
+          <a:p>
             <a:r>
               <a:rPr lang="en-US" altLang="ko-KR" dirty="0" err="1" smtClean="0"/>
-              <a:t>Pomem</a:t>
-            </a:r>
-            <a:r>
-              <a:rPr lang="en-US" altLang="ko-KR" dirty="0" err="1" smtClean="0"/>
-              <a:t>_id</a:t>
+              <a:t>Pomem_id</a:t>
             </a:r>
             <a:endParaRPr lang="en-US" altLang="ko-KR" dirty="0" smtClean="0"/>
           </a:p>
@@ -3396,378 +3368,146 @@
               <a:rPr lang="en-US" altLang="ko-KR" dirty="0" smtClean="0"/>
               <a:t>Content</a:t>
             </a:r>
-          </a:p>
-          <a:p>
             <a:endParaRPr lang="en-US" altLang="ko-KR" dirty="0" smtClean="0"/>
           </a:p>
-          <a:p>
-            <a:endParaRPr lang="en-US" altLang="ko-KR" dirty="0" smtClean="0"/>
-          </a:p>
-          <a:p>
-            <a:endParaRPr lang="en-US" altLang="ko-KR" dirty="0" smtClean="0"/>
-          </a:p>
-          <a:p>
-            <a:endParaRPr lang="en-US" altLang="ko-KR" dirty="0" smtClean="0"/>
-          </a:p>
-        </p:txBody>
-      </p:sp>
-      <p:sp>
-        <p:nvSpPr>
-          <p:cNvPr id="10" name="직사각형 9"/>
-          <p:cNvSpPr/>
+        </p:txBody>
+      </p:sp>
+      <p:grpSp>
+        <p:nvGrpSpPr>
+          <p:cNvPr id="80" name="그룹 79"/>
+          <p:cNvGrpSpPr/>
           <p:nvPr/>
-        </p:nvSpPr>
-        <p:spPr>
+        </p:nvGrpSpPr>
+        <p:grpSpPr>
           <a:xfrm>
-            <a:off x="6374665" y="1083866"/>
-            <a:ext cx="1555148" cy="1728192"/>
+            <a:off x="3203847" y="4500957"/>
+            <a:ext cx="1730249" cy="1882855"/>
+            <a:chOff x="3491879" y="4500957"/>
+            <a:chExt cx="1730249" cy="1882855"/>
           </a:xfrm>
-          <a:prstGeom prst="rect">
-            <a:avLst/>
-          </a:prstGeom>
-          <a:noFill/>
-        </p:spPr>
-        <p:style>
-          <a:lnRef idx="2">
-            <a:schemeClr val="accent1">
-              <a:shade val="50000"/>
-            </a:schemeClr>
-          </a:lnRef>
-          <a:fillRef idx="1">
-            <a:schemeClr val="accent1"/>
-          </a:fillRef>
-          <a:effectRef idx="0">
-            <a:schemeClr val="accent1"/>
-          </a:effectRef>
-          <a:fontRef idx="minor">
-            <a:schemeClr val="lt1"/>
-          </a:fontRef>
-        </p:style>
-        <p:txBody>
-          <a:bodyPr rtlCol="0" anchor="ctr"/>
-          <a:lstStyle/>
-          <a:p>
-            <a:pPr algn="ctr"/>
-            <a:endParaRPr lang="ko-KR" altLang="en-US" b="1" dirty="0"/>
-          </a:p>
-        </p:txBody>
-      </p:sp>
-      <p:sp>
-        <p:nvSpPr>
-          <p:cNvPr id="11" name="TextBox 10"/>
-          <p:cNvSpPr txBox="1"/>
-          <p:nvPr/>
-        </p:nvSpPr>
-        <p:spPr>
-          <a:xfrm>
-            <a:off x="6374665" y="1197395"/>
-            <a:ext cx="1555148" cy="1754326"/>
-          </a:xfrm>
-          <a:prstGeom prst="rect">
-            <a:avLst/>
-          </a:prstGeom>
-          <a:noFill/>
-        </p:spPr>
-        <p:txBody>
-          <a:bodyPr wrap="square" rtlCol="0">
-            <a:spAutoFit/>
-          </a:bodyPr>
-          <a:lstStyle/>
-          <a:p>
-            <a:r>
-              <a:rPr lang="en-US" altLang="ko-KR" dirty="0" err="1" smtClean="0"/>
-              <a:t>Comment_id</a:t>
-            </a:r>
-            <a:endParaRPr lang="en-US" altLang="ko-KR" dirty="0" smtClean="0"/>
-          </a:p>
-          <a:p>
-            <a:r>
-              <a:rPr lang="en-US" altLang="ko-KR" dirty="0" err="1" smtClean="0"/>
-              <a:t>post_id</a:t>
-            </a:r>
-            <a:endParaRPr lang="en-US" altLang="ko-KR" dirty="0" smtClean="0"/>
-          </a:p>
-          <a:p>
-            <a:r>
-              <a:rPr lang="en-US" altLang="ko-KR" dirty="0" err="1" smtClean="0"/>
-              <a:t>Comem_id</a:t>
-            </a:r>
-            <a:endParaRPr lang="en-US" altLang="ko-KR" dirty="0" smtClean="0"/>
-          </a:p>
-          <a:p>
-            <a:r>
-              <a:rPr lang="en-US" altLang="ko-KR" dirty="0" smtClean="0"/>
-              <a:t>comment</a:t>
-            </a:r>
-            <a:endParaRPr lang="en-US" altLang="ko-KR" dirty="0" smtClean="0"/>
-          </a:p>
-          <a:p>
-            <a:r>
-              <a:rPr lang="en-US" altLang="ko-KR" dirty="0" err="1" smtClean="0"/>
-              <a:t>regdate</a:t>
-            </a:r>
-            <a:endParaRPr lang="en-US" altLang="ko-KR" dirty="0"/>
-          </a:p>
-          <a:p>
-            <a:endParaRPr lang="en-US" altLang="ko-KR" dirty="0" smtClean="0"/>
-          </a:p>
-        </p:txBody>
-      </p:sp>
-      <p:sp>
-        <p:nvSpPr>
-          <p:cNvPr id="13" name="직사각형 12"/>
-          <p:cNvSpPr/>
-          <p:nvPr/>
-        </p:nvSpPr>
-        <p:spPr>
-          <a:xfrm>
-            <a:off x="3491880" y="4870289"/>
-            <a:ext cx="1440160" cy="1313858"/>
-          </a:xfrm>
-          <a:prstGeom prst="rect">
-            <a:avLst/>
-          </a:prstGeom>
-          <a:noFill/>
-        </p:spPr>
-        <p:style>
-          <a:lnRef idx="2">
-            <a:schemeClr val="accent1">
-              <a:shade val="50000"/>
-            </a:schemeClr>
-          </a:lnRef>
-          <a:fillRef idx="1">
-            <a:schemeClr val="accent1"/>
-          </a:fillRef>
-          <a:effectRef idx="0">
-            <a:schemeClr val="accent1"/>
-          </a:effectRef>
-          <a:fontRef idx="minor">
-            <a:schemeClr val="lt1"/>
-          </a:fontRef>
-        </p:style>
-        <p:txBody>
-          <a:bodyPr rtlCol="0" anchor="ctr"/>
-          <a:lstStyle/>
-          <a:p>
-            <a:pPr algn="ctr"/>
-            <a:endParaRPr lang="ko-KR" altLang="en-US" b="1" dirty="0"/>
-          </a:p>
-        </p:txBody>
-      </p:sp>
-      <p:sp>
-        <p:nvSpPr>
-          <p:cNvPr id="14" name="TextBox 13"/>
-          <p:cNvSpPr txBox="1"/>
-          <p:nvPr/>
-        </p:nvSpPr>
-        <p:spPr>
-          <a:xfrm>
-            <a:off x="3519264" y="4927053"/>
-            <a:ext cx="1597146" cy="1200329"/>
-          </a:xfrm>
-          <a:prstGeom prst="rect">
-            <a:avLst/>
-          </a:prstGeom>
-          <a:noFill/>
-        </p:spPr>
-        <p:txBody>
-          <a:bodyPr wrap="square" rtlCol="0">
-            <a:spAutoFit/>
-          </a:bodyPr>
-          <a:lstStyle/>
-          <a:p>
-            <a:r>
-              <a:rPr lang="en-US" altLang="ko-KR" dirty="0" err="1" smtClean="0"/>
-              <a:t>love_Id</a:t>
-            </a:r>
-            <a:endParaRPr lang="en-US" altLang="ko-KR" dirty="0" smtClean="0"/>
-          </a:p>
-          <a:p>
-            <a:r>
-              <a:rPr lang="en-US" altLang="ko-KR" dirty="0" err="1" smtClean="0"/>
-              <a:t>Post_id</a:t>
-            </a:r>
-            <a:endParaRPr lang="en-US" altLang="ko-KR" dirty="0" smtClean="0"/>
-          </a:p>
-          <a:p>
-            <a:r>
-              <a:rPr lang="en-US" altLang="ko-KR" dirty="0" err="1" smtClean="0"/>
-              <a:t>Lomem_id</a:t>
-            </a:r>
-            <a:endParaRPr lang="en-US" altLang="ko-KR" dirty="0"/>
-          </a:p>
-          <a:p>
-            <a:endParaRPr lang="en-US" altLang="ko-KR" dirty="0" smtClean="0"/>
-          </a:p>
-        </p:txBody>
-      </p:sp>
-      <p:sp>
-        <p:nvSpPr>
-          <p:cNvPr id="15" name="TextBox 14"/>
-          <p:cNvSpPr txBox="1"/>
-          <p:nvPr/>
-        </p:nvSpPr>
-        <p:spPr>
-          <a:xfrm>
-            <a:off x="3945765" y="4500957"/>
-            <a:ext cx="612796" cy="369332"/>
-          </a:xfrm>
-          <a:prstGeom prst="rect">
-            <a:avLst/>
-          </a:prstGeom>
-          <a:noFill/>
-        </p:spPr>
-        <p:txBody>
-          <a:bodyPr wrap="none" rtlCol="0">
-            <a:spAutoFit/>
-          </a:bodyPr>
-          <a:lstStyle/>
-          <a:p>
-            <a:r>
-              <a:rPr lang="en-US" altLang="ko-KR" dirty="0" smtClean="0"/>
-              <a:t>love</a:t>
-            </a:r>
-            <a:endParaRPr lang="ko-KR" altLang="en-US" dirty="0"/>
-          </a:p>
-        </p:txBody>
-      </p:sp>
-      <p:sp>
-        <p:nvSpPr>
-          <p:cNvPr id="16" name="직사각형 15"/>
-          <p:cNvSpPr/>
-          <p:nvPr/>
-        </p:nvSpPr>
-        <p:spPr>
-          <a:xfrm>
-            <a:off x="324589" y="3292026"/>
-            <a:ext cx="2021407" cy="1868595"/>
-          </a:xfrm>
-          <a:prstGeom prst="rect">
-            <a:avLst/>
-          </a:prstGeom>
-          <a:noFill/>
-        </p:spPr>
-        <p:style>
-          <a:lnRef idx="2">
-            <a:schemeClr val="accent1">
-              <a:shade val="50000"/>
-            </a:schemeClr>
-          </a:lnRef>
-          <a:fillRef idx="1">
-            <a:schemeClr val="accent1"/>
-          </a:fillRef>
-          <a:effectRef idx="0">
-            <a:schemeClr val="accent1"/>
-          </a:effectRef>
-          <a:fontRef idx="minor">
-            <a:schemeClr val="lt1"/>
-          </a:fontRef>
-        </p:style>
-        <p:txBody>
-          <a:bodyPr rtlCol="0" anchor="ctr"/>
-          <a:lstStyle/>
-          <a:p>
-            <a:pPr algn="ctr"/>
-            <a:endParaRPr lang="ko-KR" altLang="en-US" b="1" dirty="0"/>
-          </a:p>
-        </p:txBody>
-      </p:sp>
-      <p:sp>
-        <p:nvSpPr>
-          <p:cNvPr id="17" name="TextBox 16"/>
-          <p:cNvSpPr txBox="1"/>
-          <p:nvPr/>
-        </p:nvSpPr>
-        <p:spPr>
-          <a:xfrm>
-            <a:off x="449793" y="3434191"/>
-            <a:ext cx="2088231" cy="1200329"/>
-          </a:xfrm>
-          <a:prstGeom prst="rect">
-            <a:avLst/>
-          </a:prstGeom>
-          <a:noFill/>
-        </p:spPr>
-        <p:txBody>
-          <a:bodyPr wrap="square" rtlCol="0">
-            <a:spAutoFit/>
-          </a:bodyPr>
-          <a:lstStyle/>
-          <a:p>
-            <a:r>
-              <a:rPr lang="en-US" altLang="ko-KR" dirty="0" err="1" smtClean="0"/>
-              <a:t>Follow_id</a:t>
-            </a:r>
-            <a:endParaRPr lang="en-US" altLang="ko-KR" dirty="0" smtClean="0"/>
-          </a:p>
-          <a:p>
-            <a:r>
-              <a:rPr lang="en-US" altLang="ko-KR" dirty="0" smtClean="0"/>
-              <a:t>Me(</a:t>
-            </a:r>
-            <a:r>
-              <a:rPr lang="en-US" altLang="ko-KR" dirty="0" err="1" smtClean="0"/>
-              <a:t>member_id</a:t>
-            </a:r>
-            <a:r>
-              <a:rPr lang="en-US" altLang="ko-KR" dirty="0" smtClean="0"/>
-              <a:t>)</a:t>
-            </a:r>
-          </a:p>
-          <a:p>
-            <a:r>
-              <a:rPr lang="en-US" altLang="ko-KR" dirty="0" smtClean="0"/>
-              <a:t>you</a:t>
-            </a:r>
-            <a:r>
-              <a:rPr lang="en-US" altLang="ko-KR" dirty="0"/>
-              <a:t>(</a:t>
-            </a:r>
-            <a:r>
-              <a:rPr lang="en-US" altLang="ko-KR" dirty="0" err="1"/>
-              <a:t>member_id</a:t>
-            </a:r>
-            <a:r>
-              <a:rPr lang="en-US" altLang="ko-KR" dirty="0"/>
-              <a:t>)</a:t>
-            </a:r>
-            <a:endParaRPr lang="en-US" altLang="ko-KR" dirty="0" smtClean="0"/>
-          </a:p>
-          <a:p>
-            <a:endParaRPr lang="en-US" altLang="ko-KR" dirty="0" smtClean="0"/>
-          </a:p>
-        </p:txBody>
-      </p:sp>
-      <p:sp>
-        <p:nvSpPr>
-          <p:cNvPr id="18" name="TextBox 17"/>
-          <p:cNvSpPr txBox="1"/>
-          <p:nvPr/>
-        </p:nvSpPr>
-        <p:spPr>
-          <a:xfrm>
-            <a:off x="927167" y="2930642"/>
-            <a:ext cx="816249" cy="369332"/>
-          </a:xfrm>
-          <a:prstGeom prst="rect">
-            <a:avLst/>
-          </a:prstGeom>
-          <a:noFill/>
-        </p:spPr>
-        <p:txBody>
-          <a:bodyPr wrap="none" rtlCol="0">
-            <a:spAutoFit/>
-          </a:bodyPr>
-          <a:lstStyle/>
-          <a:p>
-            <a:r>
-              <a:rPr lang="en-US" altLang="ko-KR" dirty="0" smtClean="0"/>
-              <a:t>follow</a:t>
-            </a:r>
-            <a:endParaRPr lang="ko-KR" altLang="en-US" dirty="0"/>
-          </a:p>
-        </p:txBody>
-      </p:sp>
+        </p:grpSpPr>
+        <p:sp>
+          <p:nvSpPr>
+            <p:cNvPr id="13" name="직사각형 12"/>
+            <p:cNvSpPr/>
+            <p:nvPr/>
+          </p:nvSpPr>
+          <p:spPr>
+            <a:xfrm>
+              <a:off x="3491879" y="4870289"/>
+              <a:ext cx="1730249" cy="1313858"/>
+            </a:xfrm>
+            <a:prstGeom prst="rect">
+              <a:avLst/>
+            </a:prstGeom>
+            <a:noFill/>
+          </p:spPr>
+          <p:style>
+            <a:lnRef idx="2">
+              <a:schemeClr val="accent1">
+                <a:shade val="50000"/>
+              </a:schemeClr>
+            </a:lnRef>
+            <a:fillRef idx="1">
+              <a:schemeClr val="accent1"/>
+            </a:fillRef>
+            <a:effectRef idx="0">
+              <a:schemeClr val="accent1"/>
+            </a:effectRef>
+            <a:fontRef idx="minor">
+              <a:schemeClr val="lt1"/>
+            </a:fontRef>
+          </p:style>
+          <p:txBody>
+            <a:bodyPr rtlCol="0" anchor="ctr"/>
+            <a:lstStyle/>
+            <a:p>
+              <a:pPr algn="ctr"/>
+              <a:endParaRPr lang="ko-KR" altLang="en-US" b="1" dirty="0"/>
+            </a:p>
+          </p:txBody>
+        </p:sp>
+        <p:sp>
+          <p:nvSpPr>
+            <p:cNvPr id="14" name="TextBox 13"/>
+            <p:cNvSpPr txBox="1"/>
+            <p:nvPr/>
+          </p:nvSpPr>
+          <p:spPr>
+            <a:xfrm>
+              <a:off x="3519264" y="4906484"/>
+              <a:ext cx="1597146" cy="1477328"/>
+            </a:xfrm>
+            <a:prstGeom prst="rect">
+              <a:avLst/>
+            </a:prstGeom>
+            <a:noFill/>
+          </p:spPr>
+          <p:txBody>
+            <a:bodyPr wrap="square" rtlCol="0">
+              <a:spAutoFit/>
+            </a:bodyPr>
+            <a:lstStyle/>
+            <a:p>
+              <a:r>
+                <a:rPr lang="en-US" altLang="ko-KR" dirty="0" err="1" smtClean="0"/>
+                <a:t>love_Id</a:t>
+              </a:r>
+              <a:endParaRPr lang="en-US" altLang="ko-KR" dirty="0" smtClean="0"/>
+            </a:p>
+            <a:p>
+              <a:endParaRPr lang="en-US" altLang="ko-KR" dirty="0" smtClean="0"/>
+            </a:p>
+            <a:p>
+              <a:r>
+                <a:rPr lang="en-US" altLang="ko-KR" dirty="0" err="1" smtClean="0"/>
+                <a:t>Post_id</a:t>
+              </a:r>
+              <a:endParaRPr lang="en-US" altLang="ko-KR" dirty="0" smtClean="0"/>
+            </a:p>
+            <a:p>
+              <a:r>
+                <a:rPr lang="en-US" altLang="ko-KR" dirty="0" err="1" smtClean="0"/>
+                <a:t>Lomem_id</a:t>
+              </a:r>
+              <a:endParaRPr lang="en-US" altLang="ko-KR" dirty="0"/>
+            </a:p>
+            <a:p>
+              <a:endParaRPr lang="en-US" altLang="ko-KR" dirty="0" smtClean="0"/>
+            </a:p>
+          </p:txBody>
+        </p:sp>
+        <p:sp>
+          <p:nvSpPr>
+            <p:cNvPr id="15" name="TextBox 14"/>
+            <p:cNvSpPr txBox="1"/>
+            <p:nvPr/>
+          </p:nvSpPr>
+          <p:spPr>
+            <a:xfrm>
+              <a:off x="3945765" y="4500957"/>
+              <a:ext cx="612796" cy="369332"/>
+            </a:xfrm>
+            <a:prstGeom prst="rect">
+              <a:avLst/>
+            </a:prstGeom>
+            <a:noFill/>
+          </p:spPr>
+          <p:txBody>
+            <a:bodyPr wrap="none" rtlCol="0">
+              <a:spAutoFit/>
+            </a:bodyPr>
+            <a:lstStyle/>
+            <a:p>
+              <a:r>
+                <a:rPr lang="en-US" altLang="ko-KR" dirty="0" smtClean="0"/>
+                <a:t>love</a:t>
+              </a:r>
+              <a:endParaRPr lang="ko-KR" altLang="en-US" dirty="0"/>
+            </a:p>
+          </p:txBody>
+        </p:sp>
+      </p:grpSp>
       <p:sp>
         <p:nvSpPr>
           <p:cNvPr id="21" name="TextBox 20"/>
@@ -3798,25 +3538,853 @@
           </a:p>
         </p:txBody>
       </p:sp>
+      <p:grpSp>
+        <p:nvGrpSpPr>
+          <p:cNvPr id="22" name="그룹 21"/>
+          <p:cNvGrpSpPr/>
+          <p:nvPr/>
+        </p:nvGrpSpPr>
+        <p:grpSpPr>
+          <a:xfrm>
+            <a:off x="324589" y="1021654"/>
+            <a:ext cx="2021408" cy="1884628"/>
+            <a:chOff x="324589" y="2930642"/>
+            <a:chExt cx="2021408" cy="1884628"/>
+          </a:xfrm>
+        </p:grpSpPr>
+        <p:sp>
+          <p:nvSpPr>
+            <p:cNvPr id="16" name="직사각형 15"/>
+            <p:cNvSpPr/>
+            <p:nvPr/>
+          </p:nvSpPr>
+          <p:spPr>
+            <a:xfrm>
+              <a:off x="324589" y="3292026"/>
+              <a:ext cx="2021407" cy="1393597"/>
+            </a:xfrm>
+            <a:prstGeom prst="rect">
+              <a:avLst/>
+            </a:prstGeom>
+            <a:noFill/>
+          </p:spPr>
+          <p:style>
+            <a:lnRef idx="2">
+              <a:schemeClr val="accent1">
+                <a:shade val="50000"/>
+              </a:schemeClr>
+            </a:lnRef>
+            <a:fillRef idx="1">
+              <a:schemeClr val="accent1"/>
+            </a:fillRef>
+            <a:effectRef idx="0">
+              <a:schemeClr val="accent1"/>
+            </a:effectRef>
+            <a:fontRef idx="minor">
+              <a:schemeClr val="lt1"/>
+            </a:fontRef>
+          </p:style>
+          <p:txBody>
+            <a:bodyPr rtlCol="0" anchor="ctr"/>
+            <a:lstStyle/>
+            <a:p>
+              <a:pPr algn="ctr"/>
+              <a:endParaRPr lang="ko-KR" altLang="en-US" b="1" dirty="0"/>
+            </a:p>
+          </p:txBody>
+        </p:sp>
+        <p:sp>
+          <p:nvSpPr>
+            <p:cNvPr id="17" name="TextBox 16"/>
+            <p:cNvSpPr txBox="1"/>
+            <p:nvPr/>
+          </p:nvSpPr>
+          <p:spPr>
+            <a:xfrm>
+              <a:off x="449793" y="3337942"/>
+              <a:ext cx="1896204" cy="1477328"/>
+            </a:xfrm>
+            <a:prstGeom prst="rect">
+              <a:avLst/>
+            </a:prstGeom>
+            <a:noFill/>
+          </p:spPr>
+          <p:txBody>
+            <a:bodyPr wrap="square" rtlCol="0">
+              <a:spAutoFit/>
+            </a:bodyPr>
+            <a:lstStyle/>
+            <a:p>
+              <a:r>
+                <a:rPr lang="en-US" altLang="ko-KR" dirty="0" err="1" smtClean="0"/>
+                <a:t>Follow_id</a:t>
+              </a:r>
+              <a:endParaRPr lang="en-US" altLang="ko-KR" dirty="0" smtClean="0"/>
+            </a:p>
+            <a:p>
+              <a:endParaRPr lang="en-US" altLang="ko-KR" dirty="0" smtClean="0"/>
+            </a:p>
+            <a:p>
+              <a:r>
+                <a:rPr lang="en-US" altLang="ko-KR" dirty="0" smtClean="0"/>
+                <a:t>Me(</a:t>
+              </a:r>
+              <a:r>
+                <a:rPr lang="en-US" altLang="ko-KR" dirty="0" err="1" smtClean="0"/>
+                <a:t>member_id</a:t>
+              </a:r>
+              <a:r>
+                <a:rPr lang="en-US" altLang="ko-KR" dirty="0" smtClean="0"/>
+                <a:t>)</a:t>
+              </a:r>
+            </a:p>
+            <a:p>
+              <a:r>
+                <a:rPr lang="en-US" altLang="ko-KR" dirty="0" smtClean="0"/>
+                <a:t>you</a:t>
+              </a:r>
+              <a:r>
+                <a:rPr lang="en-US" altLang="ko-KR" dirty="0"/>
+                <a:t>(</a:t>
+              </a:r>
+              <a:r>
+                <a:rPr lang="en-US" altLang="ko-KR" dirty="0" err="1"/>
+                <a:t>member_id</a:t>
+              </a:r>
+              <a:r>
+                <a:rPr lang="en-US" altLang="ko-KR" dirty="0"/>
+                <a:t>)</a:t>
+              </a:r>
+              <a:endParaRPr lang="en-US" altLang="ko-KR" dirty="0" smtClean="0"/>
+            </a:p>
+            <a:p>
+              <a:endParaRPr lang="en-US" altLang="ko-KR" dirty="0" smtClean="0"/>
+            </a:p>
+          </p:txBody>
+        </p:sp>
+        <p:sp>
+          <p:nvSpPr>
+            <p:cNvPr id="18" name="TextBox 17"/>
+            <p:cNvSpPr txBox="1"/>
+            <p:nvPr/>
+          </p:nvSpPr>
+          <p:spPr>
+            <a:xfrm>
+              <a:off x="927167" y="2930642"/>
+              <a:ext cx="816249" cy="369332"/>
+            </a:xfrm>
+            <a:prstGeom prst="rect">
+              <a:avLst/>
+            </a:prstGeom>
+            <a:noFill/>
+          </p:spPr>
+          <p:txBody>
+            <a:bodyPr wrap="none" rtlCol="0">
+              <a:spAutoFit/>
+            </a:bodyPr>
+            <a:lstStyle/>
+            <a:p>
+              <a:r>
+                <a:rPr lang="en-US" altLang="ko-KR" dirty="0" smtClean="0"/>
+                <a:t>follow</a:t>
+              </a:r>
+              <a:endParaRPr lang="ko-KR" altLang="en-US" dirty="0"/>
+            </a:p>
+          </p:txBody>
+        </p:sp>
+        <p:cxnSp>
+          <p:nvCxnSpPr>
+            <p:cNvPr id="19" name="직선 연결선 18"/>
+            <p:cNvCxnSpPr/>
+            <p:nvPr/>
+          </p:nvCxnSpPr>
+          <p:spPr>
+            <a:xfrm>
+              <a:off x="324589" y="3740839"/>
+              <a:ext cx="2021407" cy="0"/>
+            </a:xfrm>
+            <a:prstGeom prst="line">
+              <a:avLst/>
+            </a:prstGeom>
+            <a:ln w="25400"/>
+          </p:spPr>
+          <p:style>
+            <a:lnRef idx="1">
+              <a:schemeClr val="accent1"/>
+            </a:lnRef>
+            <a:fillRef idx="0">
+              <a:schemeClr val="accent1"/>
+            </a:fillRef>
+            <a:effectRef idx="0">
+              <a:schemeClr val="accent1"/>
+            </a:effectRef>
+            <a:fontRef idx="minor">
+              <a:schemeClr val="tx1"/>
+            </a:fontRef>
+          </p:style>
+        </p:cxnSp>
+      </p:grpSp>
+      <p:grpSp>
+        <p:nvGrpSpPr>
+          <p:cNvPr id="71" name="그룹 70"/>
+          <p:cNvGrpSpPr/>
+          <p:nvPr/>
+        </p:nvGrpSpPr>
+        <p:grpSpPr>
+          <a:xfrm>
+            <a:off x="2411760" y="1947962"/>
+            <a:ext cx="792088" cy="440265"/>
+            <a:chOff x="2334556" y="1947962"/>
+            <a:chExt cx="869292" cy="440265"/>
+          </a:xfrm>
+        </p:grpSpPr>
+        <p:cxnSp>
+          <p:nvCxnSpPr>
+            <p:cNvPr id="77" name="직선 화살표 연결선 76"/>
+            <p:cNvCxnSpPr>
+              <a:stCxn id="4" idx="1"/>
+              <a:endCxn id="17" idx="3"/>
+            </p:cNvCxnSpPr>
+            <p:nvPr/>
+          </p:nvCxnSpPr>
+          <p:spPr>
+            <a:xfrm flipH="1">
+              <a:off x="2345997" y="2163416"/>
+              <a:ext cx="857851" cy="4202"/>
+            </a:xfrm>
+            <a:prstGeom prst="straightConnector1">
+              <a:avLst/>
+            </a:prstGeom>
+            <a:ln w="25400">
+              <a:tailEnd type="arrow"/>
+            </a:ln>
+          </p:spPr>
+          <p:style>
+            <a:lnRef idx="1">
+              <a:schemeClr val="accent1"/>
+            </a:lnRef>
+            <a:fillRef idx="0">
+              <a:schemeClr val="accent1"/>
+            </a:fillRef>
+            <a:effectRef idx="0">
+              <a:schemeClr val="accent1"/>
+            </a:effectRef>
+            <a:fontRef idx="minor">
+              <a:schemeClr val="tx1"/>
+            </a:fontRef>
+          </p:style>
+        </p:cxnSp>
+        <p:cxnSp>
+          <p:nvCxnSpPr>
+            <p:cNvPr id="27" name="직선 화살표 연결선 26"/>
+            <p:cNvCxnSpPr/>
+            <p:nvPr/>
+          </p:nvCxnSpPr>
+          <p:spPr>
+            <a:xfrm flipH="1" flipV="1">
+              <a:off x="2345998" y="1947962"/>
+              <a:ext cx="353794" cy="219656"/>
+            </a:xfrm>
+            <a:prstGeom prst="straightConnector1">
+              <a:avLst/>
+            </a:prstGeom>
+            <a:ln w="25400">
+              <a:tailEnd type="arrow"/>
+            </a:ln>
+          </p:spPr>
+          <p:style>
+            <a:lnRef idx="1">
+              <a:schemeClr val="accent1"/>
+            </a:lnRef>
+            <a:fillRef idx="0">
+              <a:schemeClr val="accent1"/>
+            </a:fillRef>
+            <a:effectRef idx="0">
+              <a:schemeClr val="accent1"/>
+            </a:effectRef>
+            <a:fontRef idx="minor">
+              <a:schemeClr val="tx1"/>
+            </a:fontRef>
+          </p:style>
+        </p:cxnSp>
+        <p:cxnSp>
+          <p:nvCxnSpPr>
+            <p:cNvPr id="30" name="직선 화살표 연결선 29"/>
+            <p:cNvCxnSpPr/>
+            <p:nvPr/>
+          </p:nvCxnSpPr>
+          <p:spPr>
+            <a:xfrm flipH="1">
+              <a:off x="2334556" y="2167618"/>
+              <a:ext cx="353794" cy="220609"/>
+            </a:xfrm>
+            <a:prstGeom prst="straightConnector1">
+              <a:avLst/>
+            </a:prstGeom>
+            <a:ln w="25400">
+              <a:tailEnd type="arrow"/>
+            </a:ln>
+          </p:spPr>
+          <p:style>
+            <a:lnRef idx="1">
+              <a:schemeClr val="accent1"/>
+            </a:lnRef>
+            <a:fillRef idx="0">
+              <a:schemeClr val="accent1"/>
+            </a:fillRef>
+            <a:effectRef idx="0">
+              <a:schemeClr val="accent1"/>
+            </a:effectRef>
+            <a:fontRef idx="minor">
+              <a:schemeClr val="tx1"/>
+            </a:fontRef>
+          </p:style>
+        </p:cxnSp>
+        <p:sp>
+          <p:nvSpPr>
+            <p:cNvPr id="31" name="타원 30"/>
+            <p:cNvSpPr/>
+            <p:nvPr/>
+          </p:nvSpPr>
+          <p:spPr>
+            <a:xfrm>
+              <a:off x="2653095" y="2079836"/>
+              <a:ext cx="144016" cy="178413"/>
+            </a:xfrm>
+            <a:prstGeom prst="ellipse">
+              <a:avLst/>
+            </a:prstGeom>
+            <a:noFill/>
+          </p:spPr>
+          <p:style>
+            <a:lnRef idx="2">
+              <a:schemeClr val="accent1">
+                <a:shade val="50000"/>
+              </a:schemeClr>
+            </a:lnRef>
+            <a:fillRef idx="1">
+              <a:schemeClr val="accent1"/>
+            </a:fillRef>
+            <a:effectRef idx="0">
+              <a:schemeClr val="accent1"/>
+            </a:effectRef>
+            <a:fontRef idx="minor">
+              <a:schemeClr val="lt1"/>
+            </a:fontRef>
+          </p:style>
+          <p:txBody>
+            <a:bodyPr rtlCol="0" anchor="ctr"/>
+            <a:lstStyle/>
+            <a:p>
+              <a:pPr algn="ctr"/>
+              <a:endParaRPr lang="ko-KR" altLang="en-US"/>
+            </a:p>
+          </p:txBody>
+        </p:sp>
+      </p:grpSp>
+      <p:grpSp>
+        <p:nvGrpSpPr>
+          <p:cNvPr id="43" name="그룹 42"/>
+          <p:cNvGrpSpPr/>
+          <p:nvPr/>
+        </p:nvGrpSpPr>
+        <p:grpSpPr>
+          <a:xfrm rot="10800000">
+            <a:off x="4934097" y="1428953"/>
+            <a:ext cx="1109201" cy="440265"/>
+            <a:chOff x="2334556" y="1947962"/>
+            <a:chExt cx="869292" cy="440265"/>
+          </a:xfrm>
+        </p:grpSpPr>
+        <p:cxnSp>
+          <p:nvCxnSpPr>
+            <p:cNvPr id="44" name="직선 화살표 연결선 43"/>
+            <p:cNvCxnSpPr/>
+            <p:nvPr/>
+          </p:nvCxnSpPr>
+          <p:spPr>
+            <a:xfrm flipH="1">
+              <a:off x="2345997" y="2163416"/>
+              <a:ext cx="857851" cy="4202"/>
+            </a:xfrm>
+            <a:prstGeom prst="straightConnector1">
+              <a:avLst/>
+            </a:prstGeom>
+            <a:ln w="25400">
+              <a:tailEnd type="arrow"/>
+            </a:ln>
+          </p:spPr>
+          <p:style>
+            <a:lnRef idx="1">
+              <a:schemeClr val="accent1"/>
+            </a:lnRef>
+            <a:fillRef idx="0">
+              <a:schemeClr val="accent1"/>
+            </a:fillRef>
+            <a:effectRef idx="0">
+              <a:schemeClr val="accent1"/>
+            </a:effectRef>
+            <a:fontRef idx="minor">
+              <a:schemeClr val="tx1"/>
+            </a:fontRef>
+          </p:style>
+        </p:cxnSp>
+        <p:cxnSp>
+          <p:nvCxnSpPr>
+            <p:cNvPr id="45" name="직선 화살표 연결선 44"/>
+            <p:cNvCxnSpPr/>
+            <p:nvPr/>
+          </p:nvCxnSpPr>
+          <p:spPr>
+            <a:xfrm flipH="1" flipV="1">
+              <a:off x="2345998" y="1947962"/>
+              <a:ext cx="353794" cy="219656"/>
+            </a:xfrm>
+            <a:prstGeom prst="straightConnector1">
+              <a:avLst/>
+            </a:prstGeom>
+            <a:ln w="25400">
+              <a:tailEnd type="arrow"/>
+            </a:ln>
+          </p:spPr>
+          <p:style>
+            <a:lnRef idx="1">
+              <a:schemeClr val="accent1"/>
+            </a:lnRef>
+            <a:fillRef idx="0">
+              <a:schemeClr val="accent1"/>
+            </a:fillRef>
+            <a:effectRef idx="0">
+              <a:schemeClr val="accent1"/>
+            </a:effectRef>
+            <a:fontRef idx="minor">
+              <a:schemeClr val="tx1"/>
+            </a:fontRef>
+          </p:style>
+        </p:cxnSp>
+        <p:cxnSp>
+          <p:nvCxnSpPr>
+            <p:cNvPr id="46" name="직선 화살표 연결선 45"/>
+            <p:cNvCxnSpPr/>
+            <p:nvPr/>
+          </p:nvCxnSpPr>
+          <p:spPr>
+            <a:xfrm flipH="1">
+              <a:off x="2334556" y="2167618"/>
+              <a:ext cx="353794" cy="220609"/>
+            </a:xfrm>
+            <a:prstGeom prst="straightConnector1">
+              <a:avLst/>
+            </a:prstGeom>
+            <a:ln w="25400">
+              <a:tailEnd type="arrow"/>
+            </a:ln>
+          </p:spPr>
+          <p:style>
+            <a:lnRef idx="1">
+              <a:schemeClr val="accent1"/>
+            </a:lnRef>
+            <a:fillRef idx="0">
+              <a:schemeClr val="accent1"/>
+            </a:fillRef>
+            <a:effectRef idx="0">
+              <a:schemeClr val="accent1"/>
+            </a:effectRef>
+            <a:fontRef idx="minor">
+              <a:schemeClr val="tx1"/>
+            </a:fontRef>
+          </p:style>
+        </p:cxnSp>
+        <p:sp>
+          <p:nvSpPr>
+            <p:cNvPr id="47" name="타원 46"/>
+            <p:cNvSpPr/>
+            <p:nvPr/>
+          </p:nvSpPr>
+          <p:spPr>
+            <a:xfrm>
+              <a:off x="2653095" y="2079836"/>
+              <a:ext cx="144016" cy="178413"/>
+            </a:xfrm>
+            <a:prstGeom prst="ellipse">
+              <a:avLst/>
+            </a:prstGeom>
+            <a:noFill/>
+          </p:spPr>
+          <p:style>
+            <a:lnRef idx="2">
+              <a:schemeClr val="accent1">
+                <a:shade val="50000"/>
+              </a:schemeClr>
+            </a:lnRef>
+            <a:fillRef idx="1">
+              <a:schemeClr val="accent1"/>
+            </a:fillRef>
+            <a:effectRef idx="0">
+              <a:schemeClr val="accent1"/>
+            </a:effectRef>
+            <a:fontRef idx="minor">
+              <a:schemeClr val="lt1"/>
+            </a:fontRef>
+          </p:style>
+          <p:txBody>
+            <a:bodyPr rtlCol="0" anchor="ctr"/>
+            <a:lstStyle/>
+            <a:p>
+              <a:pPr algn="ctr"/>
+              <a:endParaRPr lang="ko-KR" altLang="en-US"/>
+            </a:p>
+          </p:txBody>
+        </p:sp>
+      </p:grpSp>
+      <p:grpSp>
+        <p:nvGrpSpPr>
+          <p:cNvPr id="75" name="그룹 74"/>
+          <p:cNvGrpSpPr/>
+          <p:nvPr/>
+        </p:nvGrpSpPr>
+        <p:grpSpPr>
+          <a:xfrm>
+            <a:off x="6043298" y="332656"/>
+            <a:ext cx="1841069" cy="2328476"/>
+            <a:chOff x="6372200" y="710046"/>
+            <a:chExt cx="1677241" cy="2328476"/>
+          </a:xfrm>
+        </p:grpSpPr>
+        <p:sp>
+          <p:nvSpPr>
+            <p:cNvPr id="8" name="TextBox 7"/>
+            <p:cNvSpPr txBox="1"/>
+            <p:nvPr/>
+          </p:nvSpPr>
+          <p:spPr>
+            <a:xfrm>
+              <a:off x="6490142" y="710046"/>
+              <a:ext cx="1274708" cy="369332"/>
+            </a:xfrm>
+            <a:prstGeom prst="rect">
+              <a:avLst/>
+            </a:prstGeom>
+            <a:noFill/>
+          </p:spPr>
+          <p:txBody>
+            <a:bodyPr wrap="none" rtlCol="0">
+              <a:spAutoFit/>
+            </a:bodyPr>
+            <a:lstStyle/>
+            <a:p>
+              <a:r>
+                <a:rPr lang="en-US" altLang="ko-KR" dirty="0" smtClean="0"/>
+                <a:t>comments</a:t>
+              </a:r>
+              <a:endParaRPr lang="ko-KR" altLang="en-US" dirty="0"/>
+            </a:p>
+          </p:txBody>
+        </p:sp>
+        <p:sp>
+          <p:nvSpPr>
+            <p:cNvPr id="10" name="직사각형 9"/>
+            <p:cNvSpPr/>
+            <p:nvPr/>
+          </p:nvSpPr>
+          <p:spPr>
+            <a:xfrm>
+              <a:off x="6374665" y="1083866"/>
+              <a:ext cx="1555148" cy="1954656"/>
+            </a:xfrm>
+            <a:prstGeom prst="rect">
+              <a:avLst/>
+            </a:prstGeom>
+            <a:noFill/>
+          </p:spPr>
+          <p:style>
+            <a:lnRef idx="2">
+              <a:schemeClr val="accent1">
+                <a:shade val="50000"/>
+              </a:schemeClr>
+            </a:lnRef>
+            <a:fillRef idx="1">
+              <a:schemeClr val="accent1"/>
+            </a:fillRef>
+            <a:effectRef idx="0">
+              <a:schemeClr val="accent1"/>
+            </a:effectRef>
+            <a:fontRef idx="minor">
+              <a:schemeClr val="lt1"/>
+            </a:fontRef>
+          </p:style>
+          <p:txBody>
+            <a:bodyPr rtlCol="0" anchor="ctr"/>
+            <a:lstStyle/>
+            <a:p>
+              <a:pPr algn="ctr"/>
+              <a:endParaRPr lang="ko-KR" altLang="en-US" b="1" dirty="0"/>
+            </a:p>
+          </p:txBody>
+        </p:sp>
+        <p:sp>
+          <p:nvSpPr>
+            <p:cNvPr id="11" name="TextBox 10"/>
+            <p:cNvSpPr txBox="1"/>
+            <p:nvPr/>
+          </p:nvSpPr>
+          <p:spPr>
+            <a:xfrm>
+              <a:off x="6426860" y="1124744"/>
+              <a:ext cx="1622581" cy="1754326"/>
+            </a:xfrm>
+            <a:prstGeom prst="rect">
+              <a:avLst/>
+            </a:prstGeom>
+            <a:noFill/>
+          </p:spPr>
+          <p:txBody>
+            <a:bodyPr wrap="square" rtlCol="0">
+              <a:spAutoFit/>
+            </a:bodyPr>
+            <a:lstStyle/>
+            <a:p>
+              <a:r>
+                <a:rPr lang="en-US" altLang="ko-KR" dirty="0" err="1" smtClean="0"/>
+                <a:t>Comments_id</a:t>
+              </a:r>
+              <a:endParaRPr lang="en-US" altLang="ko-KR" dirty="0" smtClean="0"/>
+            </a:p>
+            <a:p>
+              <a:endParaRPr lang="en-US" altLang="ko-KR" dirty="0" smtClean="0"/>
+            </a:p>
+            <a:p>
+              <a:r>
+                <a:rPr lang="en-US" altLang="ko-KR" dirty="0" err="1" smtClean="0"/>
+                <a:t>post_id</a:t>
+              </a:r>
+              <a:endParaRPr lang="en-US" altLang="ko-KR" dirty="0" smtClean="0"/>
+            </a:p>
+            <a:p>
+              <a:r>
+                <a:rPr lang="en-US" altLang="ko-KR" dirty="0" err="1" smtClean="0"/>
+                <a:t>Comem_id</a:t>
+              </a:r>
+              <a:endParaRPr lang="en-US" altLang="ko-KR" dirty="0" smtClean="0"/>
+            </a:p>
+            <a:p>
+              <a:r>
+                <a:rPr lang="en-US" altLang="ko-KR" dirty="0" smtClean="0"/>
+                <a:t>comments</a:t>
+              </a:r>
+              <a:endParaRPr lang="en-US" altLang="ko-KR" dirty="0" smtClean="0"/>
+            </a:p>
+            <a:p>
+              <a:r>
+                <a:rPr lang="en-US" altLang="ko-KR" dirty="0" err="1" smtClean="0"/>
+                <a:t>regdate</a:t>
+              </a:r>
+              <a:endParaRPr lang="en-US" altLang="ko-KR" dirty="0"/>
+            </a:p>
+          </p:txBody>
+        </p:sp>
+        <p:cxnSp>
+          <p:nvCxnSpPr>
+            <p:cNvPr id="48" name="직선 연결선 47"/>
+            <p:cNvCxnSpPr/>
+            <p:nvPr/>
+          </p:nvCxnSpPr>
+          <p:spPr>
+            <a:xfrm>
+              <a:off x="6372200" y="1556792"/>
+              <a:ext cx="1557613" cy="0"/>
+            </a:xfrm>
+            <a:prstGeom prst="line">
+              <a:avLst/>
+            </a:prstGeom>
+            <a:ln w="25400"/>
+          </p:spPr>
+          <p:style>
+            <a:lnRef idx="1">
+              <a:schemeClr val="accent1"/>
+            </a:lnRef>
+            <a:fillRef idx="0">
+              <a:schemeClr val="accent1"/>
+            </a:fillRef>
+            <a:effectRef idx="0">
+              <a:schemeClr val="accent1"/>
+            </a:effectRef>
+            <a:fontRef idx="minor">
+              <a:schemeClr val="tx1"/>
+            </a:fontRef>
+          </p:style>
+        </p:cxnSp>
+      </p:grpSp>
+      <p:grpSp>
+        <p:nvGrpSpPr>
+          <p:cNvPr id="52" name="그룹 51"/>
+          <p:cNvGrpSpPr/>
+          <p:nvPr/>
+        </p:nvGrpSpPr>
+        <p:grpSpPr>
+          <a:xfrm rot="5400000">
+            <a:off x="6437818" y="2932946"/>
+            <a:ext cx="983892" cy="440265"/>
+            <a:chOff x="2334556" y="1947962"/>
+            <a:chExt cx="869292" cy="440265"/>
+          </a:xfrm>
+        </p:grpSpPr>
+        <p:cxnSp>
+          <p:nvCxnSpPr>
+            <p:cNvPr id="53" name="직선 화살표 연결선 52"/>
+            <p:cNvCxnSpPr/>
+            <p:nvPr/>
+          </p:nvCxnSpPr>
+          <p:spPr>
+            <a:xfrm flipH="1">
+              <a:off x="2345997" y="2163416"/>
+              <a:ext cx="857851" cy="4202"/>
+            </a:xfrm>
+            <a:prstGeom prst="straightConnector1">
+              <a:avLst/>
+            </a:prstGeom>
+            <a:ln w="25400">
+              <a:tailEnd type="arrow"/>
+            </a:ln>
+          </p:spPr>
+          <p:style>
+            <a:lnRef idx="1">
+              <a:schemeClr val="accent1"/>
+            </a:lnRef>
+            <a:fillRef idx="0">
+              <a:schemeClr val="accent1"/>
+            </a:fillRef>
+            <a:effectRef idx="0">
+              <a:schemeClr val="accent1"/>
+            </a:effectRef>
+            <a:fontRef idx="minor">
+              <a:schemeClr val="tx1"/>
+            </a:fontRef>
+          </p:style>
+        </p:cxnSp>
+        <p:cxnSp>
+          <p:nvCxnSpPr>
+            <p:cNvPr id="54" name="직선 화살표 연결선 53"/>
+            <p:cNvCxnSpPr/>
+            <p:nvPr/>
+          </p:nvCxnSpPr>
+          <p:spPr>
+            <a:xfrm flipH="1" flipV="1">
+              <a:off x="2345998" y="1947962"/>
+              <a:ext cx="353794" cy="219656"/>
+            </a:xfrm>
+            <a:prstGeom prst="straightConnector1">
+              <a:avLst/>
+            </a:prstGeom>
+            <a:ln w="25400">
+              <a:tailEnd type="arrow"/>
+            </a:ln>
+          </p:spPr>
+          <p:style>
+            <a:lnRef idx="1">
+              <a:schemeClr val="accent1"/>
+            </a:lnRef>
+            <a:fillRef idx="0">
+              <a:schemeClr val="accent1"/>
+            </a:fillRef>
+            <a:effectRef idx="0">
+              <a:schemeClr val="accent1"/>
+            </a:effectRef>
+            <a:fontRef idx="minor">
+              <a:schemeClr val="tx1"/>
+            </a:fontRef>
+          </p:style>
+        </p:cxnSp>
+        <p:cxnSp>
+          <p:nvCxnSpPr>
+            <p:cNvPr id="55" name="직선 화살표 연결선 54"/>
+            <p:cNvCxnSpPr/>
+            <p:nvPr/>
+          </p:nvCxnSpPr>
+          <p:spPr>
+            <a:xfrm flipH="1">
+              <a:off x="2334556" y="2167618"/>
+              <a:ext cx="353794" cy="220609"/>
+            </a:xfrm>
+            <a:prstGeom prst="straightConnector1">
+              <a:avLst/>
+            </a:prstGeom>
+            <a:ln w="25400">
+              <a:tailEnd type="arrow"/>
+            </a:ln>
+          </p:spPr>
+          <p:style>
+            <a:lnRef idx="1">
+              <a:schemeClr val="accent1"/>
+            </a:lnRef>
+            <a:fillRef idx="0">
+              <a:schemeClr val="accent1"/>
+            </a:fillRef>
+            <a:effectRef idx="0">
+              <a:schemeClr val="accent1"/>
+            </a:effectRef>
+            <a:fontRef idx="minor">
+              <a:schemeClr val="tx1"/>
+            </a:fontRef>
+          </p:style>
+        </p:cxnSp>
+        <p:sp>
+          <p:nvSpPr>
+            <p:cNvPr id="56" name="타원 55"/>
+            <p:cNvSpPr/>
+            <p:nvPr/>
+          </p:nvSpPr>
+          <p:spPr>
+            <a:xfrm>
+              <a:off x="2653095" y="2079836"/>
+              <a:ext cx="144016" cy="178413"/>
+            </a:xfrm>
+            <a:prstGeom prst="ellipse">
+              <a:avLst/>
+            </a:prstGeom>
+            <a:noFill/>
+          </p:spPr>
+          <p:style>
+            <a:lnRef idx="2">
+              <a:schemeClr val="accent1">
+                <a:shade val="50000"/>
+              </a:schemeClr>
+            </a:lnRef>
+            <a:fillRef idx="1">
+              <a:schemeClr val="accent1"/>
+            </a:fillRef>
+            <a:effectRef idx="0">
+              <a:schemeClr val="accent1"/>
+            </a:effectRef>
+            <a:fontRef idx="minor">
+              <a:schemeClr val="lt1"/>
+            </a:fontRef>
+          </p:style>
+          <p:txBody>
+            <a:bodyPr rtlCol="0" anchor="ctr"/>
+            <a:lstStyle/>
+            <a:p>
+              <a:pPr algn="ctr"/>
+              <a:endParaRPr lang="ko-KR" altLang="en-US"/>
+            </a:p>
+          </p:txBody>
+        </p:sp>
+      </p:grpSp>
       <p:cxnSp>
         <p:nvCxnSpPr>
-          <p:cNvPr id="66" name="직선 화살표 연결선 65"/>
-          <p:cNvCxnSpPr>
-            <a:endCxn id="11" idx="1"/>
-          </p:cNvCxnSpPr>
+          <p:cNvPr id="57" name="직선 연결선 56"/>
+          <p:cNvCxnSpPr/>
           <p:nvPr/>
         </p:nvCxnSpPr>
         <p:spPr>
           <a:xfrm>
-            <a:off x="4944402" y="1700238"/>
-            <a:ext cx="1430263" cy="374320"/>
+            <a:off x="6040153" y="4437112"/>
+            <a:ext cx="1712901" cy="0"/>
           </a:xfrm>
-          <a:prstGeom prst="straightConnector1">
+          <a:prstGeom prst="line">
             <a:avLst/>
           </a:prstGeom>
-          <a:ln>
-            <a:tailEnd type="arrow"/>
-          </a:ln>
+          <a:ln w="25400"/>
         </p:spPr>
         <p:style>
           <a:lnRef idx="1">
@@ -3835,24 +4403,19 @@
       </p:cxnSp>
       <p:cxnSp>
         <p:nvCxnSpPr>
-          <p:cNvPr id="68" name="직선 화살표 연결선 67"/>
-          <p:cNvCxnSpPr>
-            <a:stCxn id="4" idx="2"/>
-            <a:endCxn id="15" idx="0"/>
-          </p:cNvCxnSpPr>
+          <p:cNvPr id="59" name="직선 연결선 58"/>
+          <p:cNvCxnSpPr/>
           <p:nvPr/>
         </p:nvCxnSpPr>
         <p:spPr>
           <a:xfrm>
-            <a:off x="4067944" y="3819600"/>
-            <a:ext cx="184219" cy="681357"/>
+            <a:off x="3203848" y="1019178"/>
+            <a:ext cx="1730249" cy="2476"/>
           </a:xfrm>
-          <a:prstGeom prst="straightConnector1">
+          <a:prstGeom prst="line">
             <a:avLst/>
           </a:prstGeom>
-          <a:ln>
-            <a:tailEnd type="arrow"/>
-          </a:ln>
+          <a:ln w="25400"/>
         </p:spPr>
         <p:style>
           <a:lnRef idx="1">
@@ -3871,21 +4434,19 @@
       </p:cxnSp>
       <p:cxnSp>
         <p:nvCxnSpPr>
-          <p:cNvPr id="70" name="직선 화살표 연결선 69"/>
+          <p:cNvPr id="62" name="직선 연결선 61"/>
           <p:cNvCxnSpPr/>
           <p:nvPr/>
         </p:nvCxnSpPr>
         <p:spPr>
           <a:xfrm>
-            <a:off x="4932040" y="2138938"/>
-            <a:ext cx="1368152" cy="1799169"/>
+            <a:off x="3198951" y="5328327"/>
+            <a:ext cx="1730249" cy="2476"/>
           </a:xfrm>
-          <a:prstGeom prst="straightConnector1">
+          <a:prstGeom prst="line">
             <a:avLst/>
           </a:prstGeom>
-          <a:ln>
-            <a:tailEnd type="arrow"/>
-          </a:ln>
+          <a:ln w="25400"/>
         </p:spPr>
         <p:style>
           <a:lnRef idx="1">
@@ -3902,110 +4463,471 @@
           </a:fontRef>
         </p:style>
       </p:cxnSp>
-      <p:cxnSp>
-        <p:nvCxnSpPr>
-          <p:cNvPr id="73" name="직선 화살표 연결선 72"/>
-          <p:cNvCxnSpPr>
-            <a:stCxn id="7" idx="1"/>
-          </p:cNvCxnSpPr>
+      <p:grpSp>
+        <p:nvGrpSpPr>
+          <p:cNvPr id="63" name="그룹 62"/>
+          <p:cNvGrpSpPr/>
           <p:nvPr/>
-        </p:nvCxnSpPr>
-        <p:spPr>
-          <a:xfrm flipH="1">
-            <a:off x="4932040" y="5133065"/>
-            <a:ext cx="1212178" cy="398682"/>
+        </p:nvGrpSpPr>
+        <p:grpSpPr>
+          <a:xfrm rot="16200000">
+            <a:off x="3717638" y="3981164"/>
+            <a:ext cx="692394" cy="440265"/>
+            <a:chOff x="2334556" y="1947962"/>
+            <a:chExt cx="869292" cy="440265"/>
           </a:xfrm>
-          <a:prstGeom prst="straightConnector1">
-            <a:avLst/>
-          </a:prstGeom>
-          <a:ln>
-            <a:tailEnd type="arrow"/>
-          </a:ln>
-        </p:spPr>
-        <p:style>
-          <a:lnRef idx="1">
-            <a:schemeClr val="accent1"/>
-          </a:lnRef>
-          <a:fillRef idx="0">
-            <a:schemeClr val="accent1"/>
-          </a:fillRef>
-          <a:effectRef idx="0">
-            <a:schemeClr val="accent1"/>
-          </a:effectRef>
-          <a:fontRef idx="minor">
-            <a:schemeClr val="tx1"/>
-          </a:fontRef>
-        </p:style>
-      </p:cxnSp>
-      <p:cxnSp>
-        <p:nvCxnSpPr>
-          <p:cNvPr id="77" name="직선 화살표 연결선 76"/>
-          <p:cNvCxnSpPr>
-            <a:stCxn id="4" idx="1"/>
-            <a:endCxn id="18" idx="0"/>
-          </p:cNvCxnSpPr>
+        </p:grpSpPr>
+        <p:cxnSp>
+          <p:nvCxnSpPr>
+            <p:cNvPr id="81" name="직선 화살표 연결선 80"/>
+            <p:cNvCxnSpPr/>
+            <p:nvPr/>
+          </p:nvCxnSpPr>
+          <p:spPr>
+            <a:xfrm flipH="1">
+              <a:off x="2345997" y="2163416"/>
+              <a:ext cx="857851" cy="4202"/>
+            </a:xfrm>
+            <a:prstGeom prst="straightConnector1">
+              <a:avLst/>
+            </a:prstGeom>
+            <a:ln w="25400">
+              <a:tailEnd type="arrow"/>
+            </a:ln>
+          </p:spPr>
+          <p:style>
+            <a:lnRef idx="1">
+              <a:schemeClr val="accent1"/>
+            </a:lnRef>
+            <a:fillRef idx="0">
+              <a:schemeClr val="accent1"/>
+            </a:fillRef>
+            <a:effectRef idx="0">
+              <a:schemeClr val="accent1"/>
+            </a:effectRef>
+            <a:fontRef idx="minor">
+              <a:schemeClr val="tx1"/>
+            </a:fontRef>
+          </p:style>
+        </p:cxnSp>
+        <p:cxnSp>
+          <p:nvCxnSpPr>
+            <p:cNvPr id="82" name="직선 화살표 연결선 81"/>
+            <p:cNvCxnSpPr/>
+            <p:nvPr/>
+          </p:nvCxnSpPr>
+          <p:spPr>
+            <a:xfrm flipH="1" flipV="1">
+              <a:off x="2345998" y="1947962"/>
+              <a:ext cx="353794" cy="219656"/>
+            </a:xfrm>
+            <a:prstGeom prst="straightConnector1">
+              <a:avLst/>
+            </a:prstGeom>
+            <a:ln w="25400">
+              <a:tailEnd type="arrow"/>
+            </a:ln>
+          </p:spPr>
+          <p:style>
+            <a:lnRef idx="1">
+              <a:schemeClr val="accent1"/>
+            </a:lnRef>
+            <a:fillRef idx="0">
+              <a:schemeClr val="accent1"/>
+            </a:fillRef>
+            <a:effectRef idx="0">
+              <a:schemeClr val="accent1"/>
+            </a:effectRef>
+            <a:fontRef idx="minor">
+              <a:schemeClr val="tx1"/>
+            </a:fontRef>
+          </p:style>
+        </p:cxnSp>
+        <p:cxnSp>
+          <p:nvCxnSpPr>
+            <p:cNvPr id="83" name="직선 화살표 연결선 82"/>
+            <p:cNvCxnSpPr/>
+            <p:nvPr/>
+          </p:nvCxnSpPr>
+          <p:spPr>
+            <a:xfrm flipH="1">
+              <a:off x="2334556" y="2167618"/>
+              <a:ext cx="353794" cy="220609"/>
+            </a:xfrm>
+            <a:prstGeom prst="straightConnector1">
+              <a:avLst/>
+            </a:prstGeom>
+            <a:ln w="25400">
+              <a:tailEnd type="arrow"/>
+            </a:ln>
+          </p:spPr>
+          <p:style>
+            <a:lnRef idx="1">
+              <a:schemeClr val="accent1"/>
+            </a:lnRef>
+            <a:fillRef idx="0">
+              <a:schemeClr val="accent1"/>
+            </a:fillRef>
+            <a:effectRef idx="0">
+              <a:schemeClr val="accent1"/>
+            </a:effectRef>
+            <a:fontRef idx="minor">
+              <a:schemeClr val="tx1"/>
+            </a:fontRef>
+          </p:style>
+        </p:cxnSp>
+        <p:sp>
+          <p:nvSpPr>
+            <p:cNvPr id="84" name="타원 83"/>
+            <p:cNvSpPr/>
+            <p:nvPr/>
+          </p:nvSpPr>
+          <p:spPr>
+            <a:xfrm>
+              <a:off x="2653095" y="2079836"/>
+              <a:ext cx="144016" cy="178413"/>
+            </a:xfrm>
+            <a:prstGeom prst="ellipse">
+              <a:avLst/>
+            </a:prstGeom>
+            <a:noFill/>
+          </p:spPr>
+          <p:style>
+            <a:lnRef idx="2">
+              <a:schemeClr val="accent1">
+                <a:shade val="50000"/>
+              </a:schemeClr>
+            </a:lnRef>
+            <a:fillRef idx="1">
+              <a:schemeClr val="accent1"/>
+            </a:fillRef>
+            <a:effectRef idx="0">
+              <a:schemeClr val="accent1"/>
+            </a:effectRef>
+            <a:fontRef idx="minor">
+              <a:schemeClr val="lt1"/>
+            </a:fontRef>
+          </p:style>
+          <p:txBody>
+            <a:bodyPr rtlCol="0" anchor="ctr"/>
+            <a:lstStyle/>
+            <a:p>
+              <a:pPr algn="ctr"/>
+              <a:endParaRPr lang="ko-KR" altLang="en-US"/>
+            </a:p>
+          </p:txBody>
+        </p:sp>
+      </p:grpSp>
+      <p:grpSp>
+        <p:nvGrpSpPr>
+          <p:cNvPr id="85" name="그룹 84"/>
+          <p:cNvGrpSpPr/>
           <p:nvPr/>
-        </p:nvCxnSpPr>
-        <p:spPr>
-          <a:xfrm flipH="1">
-            <a:off x="1335292" y="2163416"/>
-            <a:ext cx="1868556" cy="767226"/>
+        </p:nvGrpSpPr>
+        <p:grpSpPr>
+          <a:xfrm>
+            <a:off x="5074676" y="5128420"/>
+            <a:ext cx="971327" cy="440265"/>
+            <a:chOff x="2334556" y="1947962"/>
+            <a:chExt cx="869292" cy="440265"/>
           </a:xfrm>
-          <a:prstGeom prst="straightConnector1">
-            <a:avLst/>
-          </a:prstGeom>
-          <a:ln>
-            <a:tailEnd type="arrow"/>
-          </a:ln>
-        </p:spPr>
-        <p:style>
-          <a:lnRef idx="1">
-            <a:schemeClr val="accent1"/>
-          </a:lnRef>
-          <a:fillRef idx="0">
-            <a:schemeClr val="accent1"/>
-          </a:fillRef>
-          <a:effectRef idx="0">
-            <a:schemeClr val="accent1"/>
-          </a:effectRef>
-          <a:fontRef idx="minor">
-            <a:schemeClr val="tx1"/>
-          </a:fontRef>
-        </p:style>
-      </p:cxnSp>
-      <p:cxnSp>
-        <p:nvCxnSpPr>
-          <p:cNvPr id="79" name="직선 화살표 연결선 78"/>
-          <p:cNvCxnSpPr/>
+        </p:grpSpPr>
+        <p:cxnSp>
+          <p:nvCxnSpPr>
+            <p:cNvPr id="86" name="직선 화살표 연결선 85"/>
+            <p:cNvCxnSpPr/>
+            <p:nvPr/>
+          </p:nvCxnSpPr>
+          <p:spPr>
+            <a:xfrm flipH="1">
+              <a:off x="2345997" y="2163416"/>
+              <a:ext cx="857851" cy="4202"/>
+            </a:xfrm>
+            <a:prstGeom prst="straightConnector1">
+              <a:avLst/>
+            </a:prstGeom>
+            <a:ln w="25400">
+              <a:tailEnd type="arrow"/>
+            </a:ln>
+          </p:spPr>
+          <p:style>
+            <a:lnRef idx="1">
+              <a:schemeClr val="accent1"/>
+            </a:lnRef>
+            <a:fillRef idx="0">
+              <a:schemeClr val="accent1"/>
+            </a:fillRef>
+            <a:effectRef idx="0">
+              <a:schemeClr val="accent1"/>
+            </a:effectRef>
+            <a:fontRef idx="minor">
+              <a:schemeClr val="tx1"/>
+            </a:fontRef>
+          </p:style>
+        </p:cxnSp>
+        <p:cxnSp>
+          <p:nvCxnSpPr>
+            <p:cNvPr id="87" name="직선 화살표 연결선 86"/>
+            <p:cNvCxnSpPr/>
+            <p:nvPr/>
+          </p:nvCxnSpPr>
+          <p:spPr>
+            <a:xfrm flipH="1" flipV="1">
+              <a:off x="2345998" y="1947962"/>
+              <a:ext cx="353794" cy="219656"/>
+            </a:xfrm>
+            <a:prstGeom prst="straightConnector1">
+              <a:avLst/>
+            </a:prstGeom>
+            <a:ln w="25400">
+              <a:tailEnd type="arrow"/>
+            </a:ln>
+          </p:spPr>
+          <p:style>
+            <a:lnRef idx="1">
+              <a:schemeClr val="accent1"/>
+            </a:lnRef>
+            <a:fillRef idx="0">
+              <a:schemeClr val="accent1"/>
+            </a:fillRef>
+            <a:effectRef idx="0">
+              <a:schemeClr val="accent1"/>
+            </a:effectRef>
+            <a:fontRef idx="minor">
+              <a:schemeClr val="tx1"/>
+            </a:fontRef>
+          </p:style>
+        </p:cxnSp>
+        <p:cxnSp>
+          <p:nvCxnSpPr>
+            <p:cNvPr id="88" name="직선 화살표 연결선 87"/>
+            <p:cNvCxnSpPr/>
+            <p:nvPr/>
+          </p:nvCxnSpPr>
+          <p:spPr>
+            <a:xfrm flipH="1">
+              <a:off x="2334556" y="2167618"/>
+              <a:ext cx="353794" cy="220609"/>
+            </a:xfrm>
+            <a:prstGeom prst="straightConnector1">
+              <a:avLst/>
+            </a:prstGeom>
+            <a:ln w="25400">
+              <a:tailEnd type="arrow"/>
+            </a:ln>
+          </p:spPr>
+          <p:style>
+            <a:lnRef idx="1">
+              <a:schemeClr val="accent1"/>
+            </a:lnRef>
+            <a:fillRef idx="0">
+              <a:schemeClr val="accent1"/>
+            </a:fillRef>
+            <a:effectRef idx="0">
+              <a:schemeClr val="accent1"/>
+            </a:effectRef>
+            <a:fontRef idx="minor">
+              <a:schemeClr val="tx1"/>
+            </a:fontRef>
+          </p:style>
+        </p:cxnSp>
+        <p:sp>
+          <p:nvSpPr>
+            <p:cNvPr id="89" name="타원 88"/>
+            <p:cNvSpPr/>
+            <p:nvPr/>
+          </p:nvSpPr>
+          <p:spPr>
+            <a:xfrm>
+              <a:off x="2653095" y="2079836"/>
+              <a:ext cx="144016" cy="178413"/>
+            </a:xfrm>
+            <a:prstGeom prst="ellipse">
+              <a:avLst/>
+            </a:prstGeom>
+            <a:noFill/>
+          </p:spPr>
+          <p:style>
+            <a:lnRef idx="2">
+              <a:schemeClr val="accent1">
+                <a:shade val="50000"/>
+              </a:schemeClr>
+            </a:lnRef>
+            <a:fillRef idx="1">
+              <a:schemeClr val="accent1"/>
+            </a:fillRef>
+            <a:effectRef idx="0">
+              <a:schemeClr val="accent1"/>
+            </a:effectRef>
+            <a:fontRef idx="minor">
+              <a:schemeClr val="lt1"/>
+            </a:fontRef>
+          </p:style>
+          <p:txBody>
+            <a:bodyPr rtlCol="0" anchor="ctr"/>
+            <a:lstStyle/>
+            <a:p>
+              <a:pPr algn="ctr"/>
+              <a:endParaRPr lang="ko-KR" altLang="en-US"/>
+            </a:p>
+          </p:txBody>
+        </p:sp>
+      </p:grpSp>
+      <p:grpSp>
+        <p:nvGrpSpPr>
+          <p:cNvPr id="90" name="그룹 89"/>
+          <p:cNvGrpSpPr/>
           <p:nvPr/>
-        </p:nvCxnSpPr>
-        <p:spPr>
-          <a:xfrm flipV="1">
-            <a:off x="7021665" y="2812060"/>
-            <a:ext cx="130574" cy="832964"/>
+        </p:nvGrpSpPr>
+        <p:grpSpPr>
+          <a:xfrm rot="12037596">
+            <a:off x="4931039" y="3484442"/>
+            <a:ext cx="1030479" cy="440265"/>
+            <a:chOff x="2334556" y="1947962"/>
+            <a:chExt cx="869292" cy="440265"/>
           </a:xfrm>
-          <a:prstGeom prst="straightConnector1">
-            <a:avLst/>
-          </a:prstGeom>
-          <a:ln>
-            <a:tailEnd type="arrow"/>
-          </a:ln>
-        </p:spPr>
-        <p:style>
-          <a:lnRef idx="1">
-            <a:schemeClr val="accent1"/>
-          </a:lnRef>
-          <a:fillRef idx="0">
-            <a:schemeClr val="accent1"/>
-          </a:fillRef>
-          <a:effectRef idx="0">
-            <a:schemeClr val="accent1"/>
-          </a:effectRef>
-          <a:fontRef idx="minor">
-            <a:schemeClr val="tx1"/>
-          </a:fontRef>
-        </p:style>
-      </p:cxnSp>
+        </p:grpSpPr>
+        <p:cxnSp>
+          <p:nvCxnSpPr>
+            <p:cNvPr id="91" name="직선 화살표 연결선 90"/>
+            <p:cNvCxnSpPr/>
+            <p:nvPr/>
+          </p:nvCxnSpPr>
+          <p:spPr>
+            <a:xfrm flipH="1">
+              <a:off x="2345997" y="2163416"/>
+              <a:ext cx="857851" cy="4202"/>
+            </a:xfrm>
+            <a:prstGeom prst="straightConnector1">
+              <a:avLst/>
+            </a:prstGeom>
+            <a:ln w="25400">
+              <a:tailEnd type="arrow"/>
+            </a:ln>
+          </p:spPr>
+          <p:style>
+            <a:lnRef idx="1">
+              <a:schemeClr val="accent1"/>
+            </a:lnRef>
+            <a:fillRef idx="0">
+              <a:schemeClr val="accent1"/>
+            </a:fillRef>
+            <a:effectRef idx="0">
+              <a:schemeClr val="accent1"/>
+            </a:effectRef>
+            <a:fontRef idx="minor">
+              <a:schemeClr val="tx1"/>
+            </a:fontRef>
+          </p:style>
+        </p:cxnSp>
+        <p:cxnSp>
+          <p:nvCxnSpPr>
+            <p:cNvPr id="92" name="직선 화살표 연결선 91"/>
+            <p:cNvCxnSpPr/>
+            <p:nvPr/>
+          </p:nvCxnSpPr>
+          <p:spPr>
+            <a:xfrm flipH="1" flipV="1">
+              <a:off x="2345998" y="1947962"/>
+              <a:ext cx="353794" cy="219656"/>
+            </a:xfrm>
+            <a:prstGeom prst="straightConnector1">
+              <a:avLst/>
+            </a:prstGeom>
+            <a:ln w="25400">
+              <a:tailEnd type="arrow"/>
+            </a:ln>
+          </p:spPr>
+          <p:style>
+            <a:lnRef idx="1">
+              <a:schemeClr val="accent1"/>
+            </a:lnRef>
+            <a:fillRef idx="0">
+              <a:schemeClr val="accent1"/>
+            </a:fillRef>
+            <a:effectRef idx="0">
+              <a:schemeClr val="accent1"/>
+            </a:effectRef>
+            <a:fontRef idx="minor">
+              <a:schemeClr val="tx1"/>
+            </a:fontRef>
+          </p:style>
+        </p:cxnSp>
+        <p:cxnSp>
+          <p:nvCxnSpPr>
+            <p:cNvPr id="93" name="직선 화살표 연결선 92"/>
+            <p:cNvCxnSpPr/>
+            <p:nvPr/>
+          </p:nvCxnSpPr>
+          <p:spPr>
+            <a:xfrm flipH="1">
+              <a:off x="2334556" y="2167618"/>
+              <a:ext cx="353794" cy="220609"/>
+            </a:xfrm>
+            <a:prstGeom prst="straightConnector1">
+              <a:avLst/>
+            </a:prstGeom>
+            <a:ln w="25400">
+              <a:tailEnd type="arrow"/>
+            </a:ln>
+          </p:spPr>
+          <p:style>
+            <a:lnRef idx="1">
+              <a:schemeClr val="accent1"/>
+            </a:lnRef>
+            <a:fillRef idx="0">
+              <a:schemeClr val="accent1"/>
+            </a:fillRef>
+            <a:effectRef idx="0">
+              <a:schemeClr val="accent1"/>
+            </a:effectRef>
+            <a:fontRef idx="minor">
+              <a:schemeClr val="tx1"/>
+            </a:fontRef>
+          </p:style>
+        </p:cxnSp>
+        <p:sp>
+          <p:nvSpPr>
+            <p:cNvPr id="94" name="타원 93"/>
+            <p:cNvSpPr/>
+            <p:nvPr/>
+          </p:nvSpPr>
+          <p:spPr>
+            <a:xfrm>
+              <a:off x="2653095" y="2079836"/>
+              <a:ext cx="144016" cy="178413"/>
+            </a:xfrm>
+            <a:prstGeom prst="ellipse">
+              <a:avLst/>
+            </a:prstGeom>
+            <a:noFill/>
+          </p:spPr>
+          <p:style>
+            <a:lnRef idx="2">
+              <a:schemeClr val="accent1">
+                <a:shade val="50000"/>
+              </a:schemeClr>
+            </a:lnRef>
+            <a:fillRef idx="1">
+              <a:schemeClr val="accent1"/>
+            </a:fillRef>
+            <a:effectRef idx="0">
+              <a:schemeClr val="accent1"/>
+            </a:effectRef>
+            <a:fontRef idx="minor">
+              <a:schemeClr val="lt1"/>
+            </a:fontRef>
+          </p:style>
+          <p:txBody>
+            <a:bodyPr rtlCol="0" anchor="ctr"/>
+            <a:lstStyle/>
+            <a:p>
+              <a:pPr algn="ctr"/>
+              <a:endParaRPr lang="ko-KR" altLang="en-US"/>
+            </a:p>
+          </p:txBody>
+        </p:sp>
+      </p:grpSp>
     </p:spTree>
     <p:extLst>
       <p:ext uri="{BB962C8B-B14F-4D97-AF65-F5344CB8AC3E}">
@@ -4016,6 +4938,13 @@
   <p:clrMapOvr>
     <a:masterClrMapping/>
   </p:clrMapOvr>
+  <p:timing>
+    <p:tnLst>
+      <p:par>
+        <p:cTn id="1" dur="indefinite" restart="never" nodeType="tmRoot"/>
+      </p:par>
+    </p:tnLst>
+  </p:timing>
 </p:sld>
 </file>
 
